--- a/主的軛容易.pptx
+++ b/主的軛容易.pptx
@@ -11,8 +11,15 @@
     <p:sldId id="259" r:id="rId5"/>
     <p:sldId id="260" r:id="rId6"/>
     <p:sldId id="261" r:id="rId7"/>
+    <p:sldId id="262" r:id="rId8"/>
+    <p:sldId id="263" r:id="rId9"/>
+    <p:sldId id="264" r:id="rId10"/>
+    <p:sldId id="265" r:id="rId11"/>
+    <p:sldId id="266" r:id="rId12"/>
+    <p:sldId id="267" r:id="rId13"/>
+    <p:sldId id="268" r:id="rId14"/>
   </p:sldIdLst>
-  <p:sldSz cx="9144000" cy="6858000" type="screen4x3"/>
+  <p:sldSz cx="12192000" cy="6858000"/>
   <p:notesSz cx="6858000" cy="9144000"/>
   <p:defaultTextStyle>
     <a:defPPr>
@@ -109,6 +116,22 @@
       </a:defRPr>
     </a:lvl9pPr>
   </p:defaultTextStyle>
+  <p:extLst>
+    <p:ext uri="{EFAFB233-063F-42B5-8137-9DF3F51BA10A}">
+      <p15:sldGuideLst xmlns:p15="http://schemas.microsoft.com/office/powerpoint/2012/main">
+        <p15:guide id="1" orient="horz" pos="2160" userDrawn="1">
+          <p15:clr>
+            <a:srgbClr val="A4A3A4"/>
+          </p15:clr>
+        </p15:guide>
+        <p15:guide id="2" pos="3840" userDrawn="1">
+          <p15:clr>
+            <a:srgbClr val="A4A3A4"/>
+          </p15:clr>
+        </p15:guide>
+      </p15:sldGuideLst>
+    </p:ext>
+  </p:extLst>
 </p:presentation>
 </file>
 
@@ -141,8 +164,8 @@
         </p:nvSpPr>
         <p:spPr>
           <a:xfrm>
-            <a:off x="685800" y="2130425"/>
-            <a:ext cx="7772400" cy="1470025"/>
+            <a:off x="914400" y="2130426"/>
+            <a:ext cx="10363200" cy="1470025"/>
           </a:xfrm>
         </p:spPr>
         <p:txBody>
@@ -169,8 +192,8 @@
         </p:nvSpPr>
         <p:spPr>
           <a:xfrm>
-            <a:off x="1371600" y="3886200"/>
-            <a:ext cx="6400800" cy="1752600"/>
+            <a:off x="1828800" y="3886200"/>
+            <a:ext cx="8534400" cy="1752600"/>
           </a:xfrm>
         </p:spPr>
         <p:txBody>
@@ -293,7 +316,7 @@
           <a:p>
             <a:fld id="{FF4E6EEB-DB15-4F7D-8B1E-F1A84EAEDF79}" type="datetimeFigureOut">
               <a:rPr lang="zh-TW" altLang="en-US" smtClean="0"/>
-              <a:t>2018/5/5</a:t>
+              <a:t>2022/1/22</a:t>
             </a:fld>
             <a:endParaRPr lang="zh-TW" altLang="en-US"/>
           </a:p>
@@ -458,7 +481,7 @@
           <a:p>
             <a:fld id="{FF4E6EEB-DB15-4F7D-8B1E-F1A84EAEDF79}" type="datetimeFigureOut">
               <a:rPr lang="zh-TW" altLang="en-US" smtClean="0"/>
-              <a:t>2018/5/5</a:t>
+              <a:t>2022/1/22</a:t>
             </a:fld>
             <a:endParaRPr lang="zh-TW" altLang="en-US"/>
           </a:p>
@@ -543,8 +566,8 @@
         </p:nvSpPr>
         <p:spPr>
           <a:xfrm>
-            <a:off x="6629400" y="274638"/>
-            <a:ext cx="2057400" cy="5851525"/>
+            <a:off x="8839200" y="274639"/>
+            <a:ext cx="2743200" cy="5851525"/>
           </a:xfrm>
         </p:spPr>
         <p:txBody>
@@ -571,8 +594,8 @@
         </p:nvSpPr>
         <p:spPr>
           <a:xfrm>
-            <a:off x="457200" y="274638"/>
-            <a:ext cx="6019800" cy="5851525"/>
+            <a:off x="609600" y="274639"/>
+            <a:ext cx="8026400" cy="5851525"/>
           </a:xfrm>
         </p:spPr>
         <p:txBody>
@@ -633,7 +656,7 @@
           <a:p>
             <a:fld id="{FF4E6EEB-DB15-4F7D-8B1E-F1A84EAEDF79}" type="datetimeFigureOut">
               <a:rPr lang="zh-TW" altLang="en-US" smtClean="0"/>
-              <a:t>2018/5/5</a:t>
+              <a:t>2022/1/22</a:t>
             </a:fld>
             <a:endParaRPr lang="zh-TW" altLang="en-US"/>
           </a:p>
@@ -798,7 +821,7 @@
           <a:p>
             <a:fld id="{FF4E6EEB-DB15-4F7D-8B1E-F1A84EAEDF79}" type="datetimeFigureOut">
               <a:rPr lang="zh-TW" altLang="en-US" smtClean="0"/>
-              <a:t>2018/5/5</a:t>
+              <a:t>2022/1/22</a:t>
             </a:fld>
             <a:endParaRPr lang="zh-TW" altLang="en-US"/>
           </a:p>
@@ -883,8 +906,8 @@
         </p:nvSpPr>
         <p:spPr>
           <a:xfrm>
-            <a:off x="722313" y="4406900"/>
-            <a:ext cx="7772400" cy="1362075"/>
+            <a:off x="963084" y="4406901"/>
+            <a:ext cx="10363200" cy="1362075"/>
           </a:xfrm>
         </p:spPr>
         <p:txBody>
@@ -915,8 +938,8 @@
         </p:nvSpPr>
         <p:spPr>
           <a:xfrm>
-            <a:off x="722313" y="2906713"/>
-            <a:ext cx="7772400" cy="1500187"/>
+            <a:off x="963084" y="2906713"/>
+            <a:ext cx="10363200" cy="1500187"/>
           </a:xfrm>
         </p:spPr>
         <p:txBody>
@@ -1039,7 +1062,7 @@
           <a:p>
             <a:fld id="{FF4E6EEB-DB15-4F7D-8B1E-F1A84EAEDF79}" type="datetimeFigureOut">
               <a:rPr lang="zh-TW" altLang="en-US" smtClean="0"/>
-              <a:t>2018/5/5</a:t>
+              <a:t>2022/1/22</a:t>
             </a:fld>
             <a:endParaRPr lang="zh-TW" altLang="en-US"/>
           </a:p>
@@ -1147,8 +1170,8 @@
         </p:nvSpPr>
         <p:spPr>
           <a:xfrm>
-            <a:off x="457200" y="1600200"/>
-            <a:ext cx="4038600" cy="4525963"/>
+            <a:off x="609600" y="1600201"/>
+            <a:ext cx="5384800" cy="4525963"/>
           </a:xfrm>
         </p:spPr>
         <p:txBody>
@@ -1232,8 +1255,8 @@
         </p:nvSpPr>
         <p:spPr>
           <a:xfrm>
-            <a:off x="4648200" y="1600200"/>
-            <a:ext cx="4038600" cy="4525963"/>
+            <a:off x="6197600" y="1600201"/>
+            <a:ext cx="5384800" cy="4525963"/>
           </a:xfrm>
         </p:spPr>
         <p:txBody>
@@ -1322,7 +1345,7 @@
           <a:p>
             <a:fld id="{FF4E6EEB-DB15-4F7D-8B1E-F1A84EAEDF79}" type="datetimeFigureOut">
               <a:rPr lang="zh-TW" altLang="en-US" smtClean="0"/>
-              <a:t>2018/5/5</a:t>
+              <a:t>2022/1/22</a:t>
             </a:fld>
             <a:endParaRPr lang="zh-TW" altLang="en-US"/>
           </a:p>
@@ -1434,8 +1457,8 @@
         </p:nvSpPr>
         <p:spPr>
           <a:xfrm>
-            <a:off x="457200" y="1535113"/>
-            <a:ext cx="4040188" cy="639762"/>
+            <a:off x="609600" y="1535113"/>
+            <a:ext cx="5386917" cy="639762"/>
           </a:xfrm>
         </p:spPr>
         <p:txBody>
@@ -1499,8 +1522,8 @@
         </p:nvSpPr>
         <p:spPr>
           <a:xfrm>
-            <a:off x="457200" y="2174875"/>
-            <a:ext cx="4040188" cy="3951288"/>
+            <a:off x="609600" y="2174875"/>
+            <a:ext cx="5386917" cy="3951288"/>
           </a:xfrm>
         </p:spPr>
         <p:txBody>
@@ -1584,8 +1607,8 @@
         </p:nvSpPr>
         <p:spPr>
           <a:xfrm>
-            <a:off x="4645025" y="1535113"/>
-            <a:ext cx="4041775" cy="639762"/>
+            <a:off x="6193368" y="1535113"/>
+            <a:ext cx="5389033" cy="639762"/>
           </a:xfrm>
         </p:spPr>
         <p:txBody>
@@ -1649,8 +1672,8 @@
         </p:nvSpPr>
         <p:spPr>
           <a:xfrm>
-            <a:off x="4645025" y="2174875"/>
-            <a:ext cx="4041775" cy="3951288"/>
+            <a:off x="6193368" y="2174875"/>
+            <a:ext cx="5389033" cy="3951288"/>
           </a:xfrm>
         </p:spPr>
         <p:txBody>
@@ -1739,7 +1762,7 @@
           <a:p>
             <a:fld id="{FF4E6EEB-DB15-4F7D-8B1E-F1A84EAEDF79}" type="datetimeFigureOut">
               <a:rPr lang="zh-TW" altLang="en-US" smtClean="0"/>
-              <a:t>2018/5/5</a:t>
+              <a:t>2022/1/22</a:t>
             </a:fld>
             <a:endParaRPr lang="zh-TW" altLang="en-US"/>
           </a:p>
@@ -1852,7 +1875,7 @@
           <a:p>
             <a:fld id="{FF4E6EEB-DB15-4F7D-8B1E-F1A84EAEDF79}" type="datetimeFigureOut">
               <a:rPr lang="zh-TW" altLang="en-US" smtClean="0"/>
-              <a:t>2018/5/5</a:t>
+              <a:t>2022/1/22</a:t>
             </a:fld>
             <a:endParaRPr lang="zh-TW" altLang="en-US"/>
           </a:p>
@@ -1942,7 +1965,7 @@
           <a:p>
             <a:fld id="{FF4E6EEB-DB15-4F7D-8B1E-F1A84EAEDF79}" type="datetimeFigureOut">
               <a:rPr lang="zh-TW" altLang="en-US" smtClean="0"/>
-              <a:t>2018/5/5</a:t>
+              <a:t>2022/1/22</a:t>
             </a:fld>
             <a:endParaRPr lang="zh-TW" altLang="en-US"/>
           </a:p>
@@ -2027,8 +2050,8 @@
         </p:nvSpPr>
         <p:spPr>
           <a:xfrm>
-            <a:off x="457200" y="273050"/>
-            <a:ext cx="3008313" cy="1162050"/>
+            <a:off x="609601" y="273050"/>
+            <a:ext cx="4011084" cy="1162050"/>
           </a:xfrm>
         </p:spPr>
         <p:txBody>
@@ -2059,8 +2082,8 @@
         </p:nvSpPr>
         <p:spPr>
           <a:xfrm>
-            <a:off x="3575050" y="273050"/>
-            <a:ext cx="5111750" cy="5853113"/>
+            <a:off x="4766733" y="273051"/>
+            <a:ext cx="6815667" cy="5853113"/>
           </a:xfrm>
         </p:spPr>
         <p:txBody>
@@ -2144,8 +2167,8 @@
         </p:nvSpPr>
         <p:spPr>
           <a:xfrm>
-            <a:off x="457200" y="1435100"/>
-            <a:ext cx="3008313" cy="4691063"/>
+            <a:off x="609601" y="1435101"/>
+            <a:ext cx="4011084" cy="4691063"/>
           </a:xfrm>
         </p:spPr>
         <p:txBody>
@@ -2214,7 +2237,7 @@
           <a:p>
             <a:fld id="{FF4E6EEB-DB15-4F7D-8B1E-F1A84EAEDF79}" type="datetimeFigureOut">
               <a:rPr lang="zh-TW" altLang="en-US" smtClean="0"/>
-              <a:t>2018/5/5</a:t>
+              <a:t>2022/1/22</a:t>
             </a:fld>
             <a:endParaRPr lang="zh-TW" altLang="en-US"/>
           </a:p>
@@ -2299,8 +2322,8 @@
         </p:nvSpPr>
         <p:spPr>
           <a:xfrm>
-            <a:off x="1792288" y="4800600"/>
-            <a:ext cx="5486400" cy="566738"/>
+            <a:off x="2389717" y="4800600"/>
+            <a:ext cx="7315200" cy="566738"/>
           </a:xfrm>
         </p:spPr>
         <p:txBody>
@@ -2331,8 +2354,8 @@
         </p:nvSpPr>
         <p:spPr>
           <a:xfrm>
-            <a:off x="1792288" y="612775"/>
-            <a:ext cx="5486400" cy="4114800"/>
+            <a:off x="2389717" y="612775"/>
+            <a:ext cx="7315200" cy="4114800"/>
           </a:xfrm>
         </p:spPr>
         <p:txBody>
@@ -2396,8 +2419,8 @@
         </p:nvSpPr>
         <p:spPr>
           <a:xfrm>
-            <a:off x="1792288" y="5367338"/>
-            <a:ext cx="5486400" cy="804862"/>
+            <a:off x="2389717" y="5367338"/>
+            <a:ext cx="7315200" cy="804862"/>
           </a:xfrm>
         </p:spPr>
         <p:txBody>
@@ -2466,7 +2489,7 @@
           <a:p>
             <a:fld id="{FF4E6EEB-DB15-4F7D-8B1E-F1A84EAEDF79}" type="datetimeFigureOut">
               <a:rPr lang="zh-TW" altLang="en-US" smtClean="0"/>
-              <a:t>2018/5/5</a:t>
+              <a:t>2022/1/22</a:t>
             </a:fld>
             <a:endParaRPr lang="zh-TW" altLang="en-US"/>
           </a:p>
@@ -2561,8 +2584,8 @@
         </p:nvSpPr>
         <p:spPr>
           <a:xfrm>
-            <a:off x="457200" y="274638"/>
-            <a:ext cx="8229600" cy="1143000"/>
+            <a:off x="609600" y="274638"/>
+            <a:ext cx="10972800" cy="1143000"/>
           </a:xfrm>
           <a:prstGeom prst="rect">
             <a:avLst/>
@@ -2594,8 +2617,8 @@
         </p:nvSpPr>
         <p:spPr>
           <a:xfrm>
-            <a:off x="457200" y="1600200"/>
-            <a:ext cx="8229600" cy="4525963"/>
+            <a:off x="609600" y="1600201"/>
+            <a:ext cx="10972800" cy="4525963"/>
           </a:xfrm>
           <a:prstGeom prst="rect">
             <a:avLst/>
@@ -2656,8 +2679,8 @@
         </p:nvSpPr>
         <p:spPr>
           <a:xfrm>
-            <a:off x="457200" y="6356350"/>
-            <a:ext cx="2133600" cy="365125"/>
+            <a:off x="609600" y="6356351"/>
+            <a:ext cx="2844800" cy="365125"/>
           </a:xfrm>
           <a:prstGeom prst="rect">
             <a:avLst/>
@@ -2679,7 +2702,7 @@
           <a:p>
             <a:fld id="{FF4E6EEB-DB15-4F7D-8B1E-F1A84EAEDF79}" type="datetimeFigureOut">
               <a:rPr lang="zh-TW" altLang="en-US" smtClean="0"/>
-              <a:t>2018/5/5</a:t>
+              <a:t>2022/1/22</a:t>
             </a:fld>
             <a:endParaRPr lang="zh-TW" altLang="en-US"/>
           </a:p>
@@ -2697,8 +2720,8 @@
         </p:nvSpPr>
         <p:spPr>
           <a:xfrm>
-            <a:off x="3124200" y="6356350"/>
-            <a:ext cx="2895600" cy="365125"/>
+            <a:off x="4165600" y="6356351"/>
+            <a:ext cx="3860800" cy="365125"/>
           </a:xfrm>
           <a:prstGeom prst="rect">
             <a:avLst/>
@@ -2734,8 +2757,8 @@
         </p:nvSpPr>
         <p:spPr>
           <a:xfrm>
-            <a:off x="6553200" y="6356350"/>
-            <a:ext cx="2133600" cy="365125"/>
+            <a:off x="8737600" y="6356351"/>
+            <a:ext cx="2844800" cy="365125"/>
           </a:xfrm>
           <a:prstGeom prst="rect">
             <a:avLst/>
@@ -3059,128 +3082,466 @@
             <p:ph type="title"/>
           </p:nvPr>
         </p:nvSpPr>
-        <p:spPr/>
+        <p:spPr>
+          <a:xfrm>
+            <a:off x="0" y="2660915"/>
+            <a:ext cx="12192000" cy="1143000"/>
+          </a:xfrm>
+        </p:spPr>
         <p:txBody>
           <a:bodyPr>
+            <a:noAutofit/>
+          </a:bodyPr>
+          <a:lstStyle/>
+          <a:p>
+            <a:r>
+              <a:rPr lang="zh-TW" altLang="en-US" sz="7200" b="1" i="1" dirty="0">
+                <a:solidFill>
+                  <a:srgbClr val="660033"/>
+                </a:solidFill>
+                <a:effectLst>
+                  <a:outerShdw blurRad="38100" dist="38100" dir="2700000" algn="tl">
+                    <a:srgbClr val="000000">
+                      <a:alpha val="43137"/>
+                    </a:srgbClr>
+                  </a:outerShdw>
+                </a:effectLst>
+                <a:latin typeface="微軟正黑體" pitchFamily="34" charset="-120"/>
+                <a:ea typeface="微軟正黑體" pitchFamily="34" charset="-120"/>
+              </a:rPr>
+              <a:t>主</a:t>
+            </a:r>
+            <a:r>
+              <a:rPr lang="zh-TW" altLang="en-US" sz="7200" b="1" i="1" dirty="0">
+                <a:solidFill>
+                  <a:srgbClr val="660033"/>
+                </a:solidFill>
+                <a:effectLst>
+                  <a:outerShdw blurRad="38100" dist="38100" dir="2700000" algn="tl">
+                    <a:srgbClr val="000000">
+                      <a:alpha val="43137"/>
+                    </a:srgbClr>
+                  </a:outerShdw>
+                </a:effectLst>
+                <a:latin typeface="微軟正黑體" pitchFamily="34" charset="-120"/>
+                <a:ea typeface="微軟正黑體" pitchFamily="34" charset="-120"/>
+              </a:rPr>
+              <a:t>的軛容易</a:t>
+            </a:r>
+          </a:p>
+        </p:txBody>
+      </p:sp>
+    </p:spTree>
+    <p:extLst>
+      <p:ext uri="{BB962C8B-B14F-4D97-AF65-F5344CB8AC3E}">
+        <p14:creationId xmlns:p14="http://schemas.microsoft.com/office/powerpoint/2010/main" val="3584710981"/>
+      </p:ext>
+    </p:extLst>
+  </p:cSld>
+  <p:clrMapOvr>
+    <a:masterClrMapping/>
+  </p:clrMapOvr>
+</p:sld>
+</file>
+
+<file path=ppt/slides/slide10.xml><?xml version="1.0" encoding="utf-8"?>
+<p:sld xmlns:a="http://schemas.openxmlformats.org/drawingml/2006/main" xmlns:r="http://schemas.openxmlformats.org/officeDocument/2006/relationships" xmlns:p="http://schemas.openxmlformats.org/presentationml/2006/main">
+  <p:cSld>
+    <p:spTree>
+      <p:nvGrpSpPr>
+        <p:cNvPr id="1" name=""/>
+        <p:cNvGrpSpPr/>
+        <p:nvPr/>
+      </p:nvGrpSpPr>
+      <p:grpSpPr>
+        <a:xfrm>
+          <a:off x="0" y="0"/>
+          <a:ext cx="0" cy="0"/>
+          <a:chOff x="0" y="0"/>
+          <a:chExt cx="0" cy="0"/>
+        </a:xfrm>
+      </p:grpSpPr>
+      <p:sp>
+        <p:nvSpPr>
+          <p:cNvPr id="5" name="內容版面配置區 4"/>
+          <p:cNvSpPr>
+            <a:spLocks noGrp="1"/>
+          </p:cNvSpPr>
+          <p:nvPr>
+            <p:ph idx="1"/>
+          </p:nvPr>
+        </p:nvSpPr>
+        <p:spPr>
+          <a:xfrm>
+            <a:off x="0" y="2084851"/>
+            <a:ext cx="12192000" cy="2404863"/>
+          </a:xfrm>
+        </p:spPr>
+        <p:txBody>
+          <a:bodyPr anchor="ctr">
             <a:normAutofit/>
           </a:bodyPr>
           <a:lstStyle/>
           <a:p>
-            <a:r>
-              <a:rPr lang="zh-TW" altLang="en-US" b="1" dirty="0">
-                <a:solidFill>
-                  <a:srgbClr val="000066"/>
+            <a:pPr algn="ctr">
+              <a:buNone/>
+            </a:pPr>
+            <a:r>
+              <a:rPr lang="zh-TW" altLang="en-US" sz="6400" b="1" dirty="0">
+                <a:solidFill>
+                  <a:srgbClr val="660033"/>
                 </a:solidFill>
                 <a:latin typeface="微軟正黑體" pitchFamily="34" charset="-120"/>
                 <a:ea typeface="微軟正黑體" pitchFamily="34" charset="-120"/>
               </a:rPr>
-              <a:t>主的軛</a:t>
-            </a:r>
-            <a:r>
-              <a:rPr lang="zh-TW" altLang="en-US" b="1" dirty="0" smtClean="0">
-                <a:solidFill>
-                  <a:srgbClr val="000066"/>
-                </a:solidFill>
-                <a:latin typeface="微軟正黑體" pitchFamily="34" charset="-120"/>
-                <a:ea typeface="微軟正黑體" pitchFamily="34" charset="-120"/>
-              </a:rPr>
-              <a:t>容易</a:t>
-            </a:r>
-            <a:endParaRPr lang="zh-TW" altLang="en-US" b="1" dirty="0">
+              <a:t>我雖然行過死蔭的幽谷</a:t>
+            </a:r>
+            <a:endParaRPr lang="en-US" altLang="zh-TW" sz="6400" b="1" dirty="0">
               <a:solidFill>
-                <a:srgbClr val="000066"/>
+                <a:srgbClr val="660033"/>
               </a:solidFill>
               <a:latin typeface="微軟正黑體" pitchFamily="34" charset="-120"/>
               <a:ea typeface="微軟正黑體" pitchFamily="34" charset="-120"/>
             </a:endParaRPr>
           </a:p>
-        </p:txBody>
-      </p:sp>
-      <p:sp>
-        <p:nvSpPr>
-          <p:cNvPr id="5" name="內容版面配置區 4"/>
-          <p:cNvSpPr>
-            <a:spLocks noGrp="1"/>
-          </p:cNvSpPr>
-          <p:nvPr>
-            <p:ph idx="1"/>
-          </p:nvPr>
-        </p:nvSpPr>
-        <p:spPr/>
-        <p:txBody>
-          <a:bodyPr>
-            <a:normAutofit/>
-          </a:bodyPr>
-          <a:lstStyle/>
           <a:p>
             <a:pPr algn="ctr">
               <a:buNone/>
             </a:pPr>
             <a:r>
-              <a:rPr lang="zh-TW" altLang="en-US" sz="5400" b="1" dirty="0">
-                <a:solidFill>
-                  <a:srgbClr val="000066"/>
+              <a:rPr lang="zh-TW" altLang="en-US" sz="6400" b="1" dirty="0">
+                <a:solidFill>
+                  <a:srgbClr val="660033"/>
                 </a:solidFill>
                 <a:latin typeface="微軟正黑體" pitchFamily="34" charset="-120"/>
                 <a:ea typeface="微軟正黑體" pitchFamily="34" charset="-120"/>
               </a:rPr>
-              <a:t>主是我牧</a:t>
-            </a:r>
-            <a:r>
-              <a:rPr lang="zh-TW" altLang="en-US" sz="5400" b="1" dirty="0" smtClean="0">
-                <a:solidFill>
-                  <a:srgbClr val="000066"/>
+              <a:t>靠主我不怕遭</a:t>
+            </a:r>
+            <a:r>
+              <a:rPr lang="zh-TW" altLang="en-US" sz="6400" b="1" dirty="0">
+                <a:solidFill>
+                  <a:srgbClr val="660033"/>
                 </a:solidFill>
                 <a:latin typeface="微軟正黑體" pitchFamily="34" charset="-120"/>
                 <a:ea typeface="微軟正黑體" pitchFamily="34" charset="-120"/>
               </a:rPr>
-              <a:t>者</a:t>
-            </a:r>
-            <a:endParaRPr lang="en-US" altLang="zh-TW" sz="5400" b="1" dirty="0" smtClean="0">
+              <a:t>害   主</a:t>
+            </a:r>
+            <a:r>
+              <a:rPr lang="zh-TW" altLang="en-US" sz="6400" b="1" dirty="0">
+                <a:solidFill>
+                  <a:srgbClr val="660033"/>
+                </a:solidFill>
+                <a:latin typeface="微軟正黑體" pitchFamily="34" charset="-120"/>
+                <a:ea typeface="微軟正黑體" pitchFamily="34" charset="-120"/>
+              </a:rPr>
+              <a:t>杖主竿</a:t>
+            </a:r>
+            <a:endParaRPr lang="en-US" altLang="zh-TW" sz="6400" b="1" dirty="0">
               <a:solidFill>
-                <a:srgbClr val="000066"/>
+                <a:srgbClr val="660033"/>
               </a:solidFill>
               <a:latin typeface="微軟正黑體" pitchFamily="34" charset="-120"/>
               <a:ea typeface="微軟正黑體" pitchFamily="34" charset="-120"/>
             </a:endParaRPr>
           </a:p>
+        </p:txBody>
+      </p:sp>
+      <p:sp>
+        <p:nvSpPr>
+          <p:cNvPr id="3" name="TextBox 2"/>
+          <p:cNvSpPr txBox="1"/>
+          <p:nvPr/>
+        </p:nvSpPr>
+        <p:spPr>
+          <a:xfrm>
+            <a:off x="0" y="5061183"/>
+            <a:ext cx="12192000" cy="830997"/>
+          </a:xfrm>
+          <a:prstGeom prst="rect">
+            <a:avLst/>
+          </a:prstGeom>
+          <a:noFill/>
+        </p:spPr>
+        <p:txBody>
+          <a:bodyPr wrap="square" rtlCol="0">
+            <a:spAutoFit/>
+          </a:bodyPr>
+          <a:lstStyle/>
+          <a:p>
+            <a:pPr algn="ctr"/>
+            <a:r>
+              <a:rPr lang="en-US" sz="4800" b="1" dirty="0">
+                <a:solidFill>
+                  <a:srgbClr val="660033"/>
+                </a:solidFill>
+                <a:effectLst/>
+              </a:rPr>
+              <a:t>( </a:t>
+            </a:r>
+            <a:r>
+              <a:rPr lang="en-US" sz="4800" b="1" dirty="0">
+                <a:solidFill>
+                  <a:srgbClr val="660033"/>
+                </a:solidFill>
+                <a:effectLst/>
+              </a:rPr>
+              <a:t>3 </a:t>
+            </a:r>
+            <a:r>
+              <a:rPr lang="en-US" sz="4800" b="1" dirty="0">
+                <a:solidFill>
+                  <a:srgbClr val="660033"/>
+                </a:solidFill>
+                <a:effectLst/>
+              </a:rPr>
+              <a:t>)</a:t>
+            </a:r>
+            <a:endParaRPr lang="vi-VN" sz="4800" b="1" dirty="0">
+              <a:solidFill>
+                <a:srgbClr val="660033"/>
+              </a:solidFill>
+              <a:effectLst/>
+            </a:endParaRPr>
+          </a:p>
+        </p:txBody>
+      </p:sp>
+    </p:spTree>
+    <p:extLst>
+      <p:ext uri="{BB962C8B-B14F-4D97-AF65-F5344CB8AC3E}">
+        <p14:creationId xmlns:p14="http://schemas.microsoft.com/office/powerpoint/2010/main" val="3720737937"/>
+      </p:ext>
+    </p:extLst>
+  </p:cSld>
+  <p:clrMapOvr>
+    <a:masterClrMapping/>
+  </p:clrMapOvr>
+</p:sld>
+</file>
+
+<file path=ppt/slides/slide11.xml><?xml version="1.0" encoding="utf-8"?>
+<p:sld xmlns:a="http://schemas.openxmlformats.org/drawingml/2006/main" xmlns:r="http://schemas.openxmlformats.org/officeDocument/2006/relationships" xmlns:p="http://schemas.openxmlformats.org/presentationml/2006/main">
+  <p:cSld>
+    <p:spTree>
+      <p:nvGrpSpPr>
+        <p:cNvPr id="1" name=""/>
+        <p:cNvGrpSpPr/>
+        <p:nvPr/>
+      </p:nvGrpSpPr>
+      <p:grpSpPr>
+        <a:xfrm>
+          <a:off x="0" y="0"/>
+          <a:ext cx="0" cy="0"/>
+          <a:chOff x="0" y="0"/>
+          <a:chExt cx="0" cy="0"/>
+        </a:xfrm>
+      </p:grpSpPr>
+      <p:sp>
+        <p:nvSpPr>
+          <p:cNvPr id="5" name="內容版面配置區 4"/>
+          <p:cNvSpPr>
+            <a:spLocks noGrp="1"/>
+          </p:cNvSpPr>
+          <p:nvPr>
+            <p:ph idx="1"/>
+          </p:nvPr>
+        </p:nvSpPr>
+        <p:spPr>
+          <a:xfrm>
+            <a:off x="0" y="2084851"/>
+            <a:ext cx="12192000" cy="2404863"/>
+          </a:xfrm>
+        </p:spPr>
+        <p:txBody>
+          <a:bodyPr anchor="ctr">
+            <a:normAutofit/>
+          </a:bodyPr>
+          <a:lstStyle/>
           <a:p>
             <a:pPr algn="ctr">
               <a:buNone/>
             </a:pPr>
             <a:r>
-              <a:rPr lang="zh-TW" altLang="en-US" sz="5400" b="1" dirty="0" smtClean="0">
-                <a:solidFill>
-                  <a:srgbClr val="000066"/>
+              <a:rPr lang="zh-TW" altLang="en-US" sz="6400" b="1" dirty="0">
+                <a:solidFill>
+                  <a:srgbClr val="660033"/>
                 </a:solidFill>
                 <a:latin typeface="微軟正黑體" pitchFamily="34" charset="-120"/>
                 <a:ea typeface="微軟正黑體" pitchFamily="34" charset="-120"/>
               </a:rPr>
-              <a:t>我</a:t>
-            </a:r>
-            <a:r>
-              <a:rPr lang="zh-TW" altLang="en-US" sz="5400" b="1" dirty="0">
-                <a:solidFill>
-                  <a:srgbClr val="000066"/>
+              <a:t>都安慰</a:t>
+            </a:r>
+            <a:r>
+              <a:rPr lang="zh-TW" altLang="en-US" sz="6400" b="1" dirty="0">
+                <a:solidFill>
+                  <a:srgbClr val="660033"/>
                 </a:solidFill>
                 <a:latin typeface="微軟正黑體" pitchFamily="34" charset="-120"/>
                 <a:ea typeface="微軟正黑體" pitchFamily="34" charset="-120"/>
               </a:rPr>
-              <a:t>必不</a:t>
-            </a:r>
-            <a:r>
-              <a:rPr lang="zh-TW" altLang="en-US" sz="5400" b="1" dirty="0" smtClean="0">
-                <a:solidFill>
-                  <a:srgbClr val="000066"/>
+              <a:t>我</a:t>
+            </a:r>
+            <a:r>
+              <a:rPr lang="en-US" altLang="zh-TW" sz="6400" b="1" dirty="0">
+                <a:solidFill>
+                  <a:srgbClr val="660033"/>
                 </a:solidFill>
                 <a:latin typeface="微軟正黑體" pitchFamily="34" charset="-120"/>
                 <a:ea typeface="微軟正黑體" pitchFamily="34" charset="-120"/>
               </a:rPr>
-              <a:t>缺乏</a:t>
-            </a:r>
-            <a:endParaRPr lang="en-US" altLang="zh-TW" sz="5400" b="1" dirty="0" smtClean="0">
+              <a:t>   </a:t>
+            </a:r>
+            <a:r>
+              <a:rPr lang="zh-TW" altLang="en-US" sz="6400" b="1" dirty="0">
+                <a:solidFill>
+                  <a:srgbClr val="660033"/>
+                </a:solidFill>
+                <a:latin typeface="微軟正黑體" pitchFamily="34" charset="-120"/>
+                <a:ea typeface="微軟正黑體" pitchFamily="34" charset="-120"/>
+              </a:rPr>
+              <a:t>因</a:t>
+            </a:r>
+            <a:r>
+              <a:rPr lang="zh-TW" altLang="en-US" sz="6400" b="1" dirty="0">
+                <a:solidFill>
+                  <a:srgbClr val="660033"/>
+                </a:solidFill>
+                <a:latin typeface="微軟正黑體" pitchFamily="34" charset="-120"/>
+                <a:ea typeface="微軟正黑體" pitchFamily="34" charset="-120"/>
+              </a:rPr>
+              <a:t>主與我同在</a:t>
+            </a:r>
+          </a:p>
+        </p:txBody>
+      </p:sp>
+      <p:sp>
+        <p:nvSpPr>
+          <p:cNvPr id="3" name="TextBox 2"/>
+          <p:cNvSpPr txBox="1"/>
+          <p:nvPr/>
+        </p:nvSpPr>
+        <p:spPr>
+          <a:xfrm>
+            <a:off x="0" y="5061183"/>
+            <a:ext cx="12192000" cy="830997"/>
+          </a:xfrm>
+          <a:prstGeom prst="rect">
+            <a:avLst/>
+          </a:prstGeom>
+          <a:noFill/>
+        </p:spPr>
+        <p:txBody>
+          <a:bodyPr wrap="square" rtlCol="0">
+            <a:spAutoFit/>
+          </a:bodyPr>
+          <a:lstStyle/>
+          <a:p>
+            <a:pPr algn="ctr"/>
+            <a:r>
+              <a:rPr lang="en-US" sz="4800" b="1" dirty="0">
+                <a:solidFill>
+                  <a:srgbClr val="660033"/>
+                </a:solidFill>
+                <a:effectLst/>
+              </a:rPr>
+              <a:t>( </a:t>
+            </a:r>
+            <a:r>
+              <a:rPr lang="en-US" sz="4800" b="1" dirty="0">
+                <a:solidFill>
+                  <a:srgbClr val="660033"/>
+                </a:solidFill>
+                <a:effectLst/>
+              </a:rPr>
+              <a:t>3 </a:t>
+            </a:r>
+            <a:r>
+              <a:rPr lang="en-US" sz="4800" b="1" dirty="0">
+                <a:solidFill>
+                  <a:srgbClr val="660033"/>
+                </a:solidFill>
+                <a:effectLst/>
+              </a:rPr>
+              <a:t>)</a:t>
+            </a:r>
+            <a:endParaRPr lang="vi-VN" sz="4800" b="1" dirty="0">
               <a:solidFill>
-                <a:srgbClr val="000066"/>
+                <a:srgbClr val="660033"/>
+              </a:solidFill>
+              <a:effectLst/>
+            </a:endParaRPr>
+          </a:p>
+        </p:txBody>
+      </p:sp>
+    </p:spTree>
+    <p:extLst>
+      <p:ext uri="{BB962C8B-B14F-4D97-AF65-F5344CB8AC3E}">
+        <p14:creationId xmlns:p14="http://schemas.microsoft.com/office/powerpoint/2010/main" val="2722344118"/>
+      </p:ext>
+    </p:extLst>
+  </p:cSld>
+  <p:clrMapOvr>
+    <a:masterClrMapping/>
+  </p:clrMapOvr>
+</p:sld>
+</file>
+
+<file path=ppt/slides/slide12.xml><?xml version="1.0" encoding="utf-8"?>
+<p:sld xmlns:a="http://schemas.openxmlformats.org/drawingml/2006/main" xmlns:r="http://schemas.openxmlformats.org/officeDocument/2006/relationships" xmlns:p="http://schemas.openxmlformats.org/presentationml/2006/main">
+  <p:cSld>
+    <p:spTree>
+      <p:nvGrpSpPr>
+        <p:cNvPr id="1" name=""/>
+        <p:cNvGrpSpPr/>
+        <p:nvPr/>
+      </p:nvGrpSpPr>
+      <p:grpSpPr>
+        <a:xfrm>
+          <a:off x="0" y="0"/>
+          <a:ext cx="0" cy="0"/>
+          <a:chOff x="0" y="0"/>
+          <a:chExt cx="0" cy="0"/>
+        </a:xfrm>
+      </p:grpSpPr>
+      <p:sp>
+        <p:nvSpPr>
+          <p:cNvPr id="5" name="內容版面配置區 4"/>
+          <p:cNvSpPr>
+            <a:spLocks noGrp="1"/>
+          </p:cNvSpPr>
+          <p:nvPr>
+            <p:ph idx="1"/>
+          </p:nvPr>
+        </p:nvSpPr>
+        <p:spPr>
+          <a:xfrm>
+            <a:off x="0" y="2084851"/>
+            <a:ext cx="12192000" cy="2404863"/>
+          </a:xfrm>
+        </p:spPr>
+        <p:txBody>
+          <a:bodyPr anchor="ctr">
+            <a:normAutofit/>
+          </a:bodyPr>
+          <a:lstStyle/>
+          <a:p>
+            <a:pPr algn="ctr">
+              <a:buNone/>
+            </a:pPr>
+            <a:r>
+              <a:rPr lang="zh-TW" altLang="en-US" sz="6400" b="1" dirty="0">
+                <a:solidFill>
+                  <a:srgbClr val="660033"/>
+                </a:solidFill>
+                <a:latin typeface="微軟正黑體" pitchFamily="34" charset="-120"/>
+                <a:ea typeface="微軟正黑體" pitchFamily="34" charset="-120"/>
+              </a:rPr>
+              <a:t>主軛容易負  主擔子輕省</a:t>
+            </a:r>
+            <a:endParaRPr lang="en-US" altLang="zh-TW" sz="6400" b="1" dirty="0">
+              <a:solidFill>
+                <a:srgbClr val="660033"/>
               </a:solidFill>
               <a:latin typeface="微軟正黑體" pitchFamily="34" charset="-120"/>
               <a:ea typeface="微軟正黑體" pitchFamily="34" charset="-120"/>
@@ -3191,91 +3552,114 @@
               <a:buNone/>
             </a:pPr>
             <a:r>
-              <a:rPr lang="zh-TW" altLang="en-US" sz="5400" b="1" dirty="0" smtClean="0">
-                <a:solidFill>
-                  <a:srgbClr val="000066"/>
+              <a:rPr lang="zh-TW" altLang="en-US" sz="6400" b="1" dirty="0">
+                <a:solidFill>
+                  <a:srgbClr val="660033"/>
                 </a:solidFill>
                 <a:latin typeface="微軟正黑體" pitchFamily="34" charset="-120"/>
                 <a:ea typeface="微軟正黑體" pitchFamily="34" charset="-120"/>
               </a:rPr>
-              <a:t>祂</a:t>
-            </a:r>
-            <a:r>
-              <a:rPr lang="zh-TW" altLang="en-US" sz="5400" b="1" dirty="0">
-                <a:solidFill>
-                  <a:srgbClr val="000066"/>
-                </a:solidFill>
-                <a:latin typeface="微軟正黑體" pitchFamily="34" charset="-120"/>
-                <a:ea typeface="微軟正黑體" pitchFamily="34" charset="-120"/>
-              </a:rPr>
-              <a:t>使我躺臥</a:t>
-            </a:r>
-            <a:r>
-              <a:rPr lang="zh-TW" altLang="en-US" sz="5400" b="1" dirty="0" smtClean="0">
-                <a:solidFill>
-                  <a:srgbClr val="000066"/>
-                </a:solidFill>
-                <a:latin typeface="微軟正黑體" pitchFamily="34" charset="-120"/>
-                <a:ea typeface="微軟正黑體" pitchFamily="34" charset="-120"/>
-              </a:rPr>
-              <a:t>安眠在</a:t>
-            </a:r>
-            <a:r>
-              <a:rPr lang="zh-TW" altLang="en-US" sz="5400" b="1" dirty="0">
-                <a:solidFill>
-                  <a:srgbClr val="000066"/>
-                </a:solidFill>
-                <a:latin typeface="微軟正黑體" pitchFamily="34" charset="-120"/>
-                <a:ea typeface="微軟正黑體" pitchFamily="34" charset="-120"/>
-              </a:rPr>
-              <a:t>青草</a:t>
-            </a:r>
-            <a:r>
-              <a:rPr lang="zh-TW" altLang="en-US" sz="5400" b="1" dirty="0" smtClean="0">
-                <a:solidFill>
-                  <a:srgbClr val="000066"/>
-                </a:solidFill>
-                <a:latin typeface="微軟正黑體" pitchFamily="34" charset="-120"/>
-                <a:ea typeface="微軟正黑體" pitchFamily="34" charset="-120"/>
-              </a:rPr>
-              <a:t>地</a:t>
-            </a:r>
-            <a:endParaRPr lang="en-US" altLang="zh-TW" sz="5400" b="1" dirty="0" smtClean="0">
+              <a:t>我真相信  我真相信</a:t>
+            </a:r>
+            <a:endParaRPr lang="en-US" altLang="zh-TW" sz="6400" b="1" dirty="0">
               <a:solidFill>
-                <a:srgbClr val="000066"/>
+                <a:srgbClr val="660033"/>
               </a:solidFill>
               <a:latin typeface="微軟正黑體" pitchFamily="34" charset="-120"/>
               <a:ea typeface="微軟正黑體" pitchFamily="34" charset="-120"/>
             </a:endParaRPr>
           </a:p>
+        </p:txBody>
+      </p:sp>
+    </p:spTree>
+    <p:extLst>
+      <p:ext uri="{BB962C8B-B14F-4D97-AF65-F5344CB8AC3E}">
+        <p14:creationId xmlns:p14="http://schemas.microsoft.com/office/powerpoint/2010/main" val="2940011499"/>
+      </p:ext>
+    </p:extLst>
+  </p:cSld>
+  <p:clrMapOvr>
+    <a:masterClrMapping/>
+  </p:clrMapOvr>
+</p:sld>
+</file>
+
+<file path=ppt/slides/slide13.xml><?xml version="1.0" encoding="utf-8"?>
+<p:sld xmlns:a="http://schemas.openxmlformats.org/drawingml/2006/main" xmlns:r="http://schemas.openxmlformats.org/officeDocument/2006/relationships" xmlns:p="http://schemas.openxmlformats.org/presentationml/2006/main">
+  <p:cSld>
+    <p:spTree>
+      <p:nvGrpSpPr>
+        <p:cNvPr id="1" name=""/>
+        <p:cNvGrpSpPr/>
+        <p:nvPr/>
+      </p:nvGrpSpPr>
+      <p:grpSpPr>
+        <a:xfrm>
+          <a:off x="0" y="0"/>
+          <a:ext cx="0" cy="0"/>
+          <a:chOff x="0" y="0"/>
+          <a:chExt cx="0" cy="0"/>
+        </a:xfrm>
+      </p:grpSpPr>
+      <p:sp>
+        <p:nvSpPr>
+          <p:cNvPr id="5" name="內容版面配置區 4"/>
+          <p:cNvSpPr>
+            <a:spLocks noGrp="1"/>
+          </p:cNvSpPr>
+          <p:nvPr>
+            <p:ph idx="1"/>
+          </p:nvPr>
+        </p:nvSpPr>
+        <p:spPr>
+          <a:xfrm>
+            <a:off x="0" y="2084851"/>
+            <a:ext cx="12192000" cy="2404863"/>
+          </a:xfrm>
+        </p:spPr>
+        <p:txBody>
+          <a:bodyPr anchor="ctr">
+            <a:normAutofit/>
+          </a:bodyPr>
+          <a:lstStyle/>
           <a:p>
             <a:pPr algn="ctr">
               <a:buNone/>
             </a:pPr>
             <a:r>
-              <a:rPr lang="zh-TW" altLang="en-US" sz="5400" b="1" dirty="0" smtClean="0">
-                <a:solidFill>
-                  <a:srgbClr val="000066"/>
+              <a:rPr lang="zh-TW" altLang="en-US" sz="6400" b="1" dirty="0">
+                <a:solidFill>
+                  <a:srgbClr val="660033"/>
                 </a:solidFill>
                 <a:latin typeface="微軟正黑體" pitchFamily="34" charset="-120"/>
                 <a:ea typeface="微軟正黑體" pitchFamily="34" charset="-120"/>
               </a:rPr>
-              <a:t>祂</a:t>
-            </a:r>
-            <a:r>
-              <a:rPr lang="zh-TW" altLang="en-US" sz="5400" b="1" dirty="0">
-                <a:solidFill>
-                  <a:srgbClr val="000066"/>
+              <a:t>不論晝夜皆蒙主帶領</a:t>
+            </a:r>
+          </a:p>
+          <a:p>
+            <a:pPr algn="ctr">
+              <a:buNone/>
+            </a:pPr>
+            <a:r>
+              <a:rPr lang="zh-TW" altLang="en-US" sz="6400" b="1" dirty="0">
+                <a:solidFill>
+                  <a:srgbClr val="660033"/>
                 </a:solidFill>
                 <a:latin typeface="微軟正黑體" pitchFamily="34" charset="-120"/>
                 <a:ea typeface="微軟正黑體" pitchFamily="34" charset="-120"/>
               </a:rPr>
-              <a:t>帶領我到可安歇水邊</a:t>
+              <a:t>永享活水不盡</a:t>
             </a:r>
           </a:p>
         </p:txBody>
       </p:sp>
     </p:spTree>
+    <p:extLst>
+      <p:ext uri="{BB962C8B-B14F-4D97-AF65-F5344CB8AC3E}">
+        <p14:creationId xmlns:p14="http://schemas.microsoft.com/office/powerpoint/2010/main" val="1131227154"/>
+      </p:ext>
+    </p:extLst>
   </p:cSld>
   <p:clrMapOvr>
     <a:masterClrMapping/>
@@ -3302,151 +3686,188 @@
       </p:grpSpPr>
       <p:sp>
         <p:nvSpPr>
-          <p:cNvPr id="4" name="標題 3"/>
-          <p:cNvSpPr>
-            <a:spLocks noGrp="1"/>
-          </p:cNvSpPr>
-          <p:nvPr>
-            <p:ph type="title"/>
-          </p:nvPr>
-        </p:nvSpPr>
-        <p:spPr/>
-        <p:txBody>
-          <a:bodyPr>
+          <p:cNvPr id="5" name="內容版面配置區 4"/>
+          <p:cNvSpPr>
+            <a:spLocks noGrp="1"/>
+          </p:cNvSpPr>
+          <p:nvPr>
+            <p:ph idx="1"/>
+          </p:nvPr>
+        </p:nvSpPr>
+        <p:spPr>
+          <a:xfrm>
+            <a:off x="0" y="2084851"/>
+            <a:ext cx="12192000" cy="2404863"/>
+          </a:xfrm>
+        </p:spPr>
+        <p:txBody>
+          <a:bodyPr anchor="ctr">
             <a:normAutofit/>
           </a:bodyPr>
           <a:lstStyle/>
           <a:p>
-            <a:r>
-              <a:rPr lang="zh-TW" altLang="en-US" b="1" dirty="0">
-                <a:solidFill>
-                  <a:srgbClr val="000066"/>
+            <a:pPr algn="ctr">
+              <a:buNone/>
+            </a:pPr>
+            <a:r>
+              <a:rPr lang="zh-TW" altLang="en-US" sz="6400" b="1" dirty="0">
+                <a:solidFill>
+                  <a:srgbClr val="660033"/>
                 </a:solidFill>
                 <a:latin typeface="微軟正黑體" pitchFamily="34" charset="-120"/>
                 <a:ea typeface="微軟正黑體" pitchFamily="34" charset="-120"/>
               </a:rPr>
-              <a:t>主的軛</a:t>
-            </a:r>
-            <a:r>
-              <a:rPr lang="zh-TW" altLang="en-US" b="1" dirty="0" smtClean="0">
-                <a:solidFill>
-                  <a:srgbClr val="000066"/>
+              <a:t>主</a:t>
+            </a:r>
+            <a:r>
+              <a:rPr lang="zh-TW" altLang="en-US" sz="6400" b="1" dirty="0">
+                <a:solidFill>
+                  <a:srgbClr val="660033"/>
                 </a:solidFill>
                 <a:latin typeface="微軟正黑體" pitchFamily="34" charset="-120"/>
                 <a:ea typeface="微軟正黑體" pitchFamily="34" charset="-120"/>
               </a:rPr>
-              <a:t>容易</a:t>
-            </a:r>
-            <a:endParaRPr lang="zh-TW" altLang="en-US" b="1" dirty="0">
+              <a:t>是我牧</a:t>
+            </a:r>
+            <a:r>
+              <a:rPr lang="zh-TW" altLang="en-US" sz="6400" b="1" dirty="0">
+                <a:solidFill>
+                  <a:srgbClr val="660033"/>
+                </a:solidFill>
+                <a:latin typeface="微軟正黑體" pitchFamily="34" charset="-120"/>
+                <a:ea typeface="微軟正黑體" pitchFamily="34" charset="-120"/>
+              </a:rPr>
+              <a:t>者</a:t>
+            </a:r>
+            <a:r>
+              <a:rPr lang="en-US" altLang="zh-TW" sz="6400" b="1" dirty="0">
+                <a:solidFill>
+                  <a:srgbClr val="660033"/>
+                </a:solidFill>
+                <a:latin typeface="微軟正黑體" pitchFamily="34" charset="-120"/>
+                <a:ea typeface="微軟正黑體" pitchFamily="34" charset="-120"/>
+              </a:rPr>
+              <a:t> </a:t>
+            </a:r>
+            <a:r>
+              <a:rPr lang="en-US" altLang="zh-TW" sz="6400" b="1" dirty="0">
+                <a:solidFill>
+                  <a:srgbClr val="660033"/>
+                </a:solidFill>
+                <a:latin typeface="微軟正黑體" pitchFamily="34" charset="-120"/>
+                <a:ea typeface="微軟正黑體" pitchFamily="34" charset="-120"/>
+              </a:rPr>
+              <a:t>  </a:t>
+            </a:r>
+            <a:r>
+              <a:rPr lang="zh-TW" altLang="en-US" sz="6400" b="1" dirty="0">
+                <a:solidFill>
+                  <a:srgbClr val="660033"/>
+                </a:solidFill>
+                <a:latin typeface="微軟正黑體" pitchFamily="34" charset="-120"/>
+                <a:ea typeface="微軟正黑體" pitchFamily="34" charset="-120"/>
+              </a:rPr>
+              <a:t>我</a:t>
+            </a:r>
+            <a:r>
+              <a:rPr lang="zh-TW" altLang="en-US" sz="6400" b="1" dirty="0">
+                <a:solidFill>
+                  <a:srgbClr val="660033"/>
+                </a:solidFill>
+                <a:latin typeface="微軟正黑體" pitchFamily="34" charset="-120"/>
+                <a:ea typeface="微軟正黑體" pitchFamily="34" charset="-120"/>
+              </a:rPr>
+              <a:t>必不缺乏</a:t>
+            </a:r>
+            <a:endParaRPr lang="en-US" altLang="zh-TW" sz="6400" b="1" dirty="0">
               <a:solidFill>
-                <a:srgbClr val="000066"/>
+                <a:srgbClr val="660033"/>
               </a:solidFill>
               <a:latin typeface="微軟正黑體" pitchFamily="34" charset="-120"/>
               <a:ea typeface="微軟正黑體" pitchFamily="34" charset="-120"/>
             </a:endParaRPr>
           </a:p>
-        </p:txBody>
-      </p:sp>
-      <p:sp>
-        <p:nvSpPr>
-          <p:cNvPr id="5" name="內容版面配置區 4"/>
-          <p:cNvSpPr>
-            <a:spLocks noGrp="1"/>
-          </p:cNvSpPr>
-          <p:nvPr>
-            <p:ph idx="1"/>
-          </p:nvPr>
-        </p:nvSpPr>
-        <p:spPr/>
-        <p:txBody>
-          <a:bodyPr>
-            <a:normAutofit/>
-          </a:bodyPr>
-          <a:lstStyle/>
           <a:p>
             <a:pPr algn="ctr">
               <a:buNone/>
             </a:pPr>
             <a:r>
-              <a:rPr lang="zh-TW" altLang="en-US" sz="5400" b="1" dirty="0" smtClean="0">
-                <a:solidFill>
-                  <a:srgbClr val="000066"/>
+              <a:rPr lang="zh-TW" altLang="en-US" sz="6400" b="1" dirty="0">
+                <a:solidFill>
+                  <a:srgbClr val="660033"/>
                 </a:solidFill>
                 <a:latin typeface="微軟正黑體" pitchFamily="34" charset="-120"/>
                 <a:ea typeface="微軟正黑體" pitchFamily="34" charset="-120"/>
               </a:rPr>
-              <a:t>主軛容易負  主擔子輕省</a:t>
-            </a:r>
-            <a:endParaRPr lang="en-US" altLang="zh-TW" sz="5400" b="1" dirty="0" smtClean="0">
+              <a:t>祂使我躺臥安眠在青</a:t>
+            </a:r>
+            <a:r>
+              <a:rPr lang="zh-TW" altLang="en-US" sz="6400" b="1" dirty="0">
+                <a:solidFill>
+                  <a:srgbClr val="660033"/>
+                </a:solidFill>
+                <a:latin typeface="微軟正黑體" pitchFamily="34" charset="-120"/>
+                <a:ea typeface="微軟正黑體" pitchFamily="34" charset="-120"/>
+              </a:rPr>
+              <a:t>草地</a:t>
+            </a:r>
+            <a:endParaRPr lang="en-US" altLang="zh-TW" sz="6400" b="1" dirty="0">
               <a:solidFill>
-                <a:srgbClr val="000066"/>
+                <a:srgbClr val="660033"/>
               </a:solidFill>
               <a:latin typeface="微軟正黑體" pitchFamily="34" charset="-120"/>
               <a:ea typeface="微軟正黑體" pitchFamily="34" charset="-120"/>
             </a:endParaRPr>
           </a:p>
-          <a:p>
-            <a:pPr algn="ctr">
-              <a:buNone/>
-            </a:pPr>
-            <a:r>
-              <a:rPr lang="zh-TW" altLang="en-US" sz="5400" b="1" dirty="0" smtClean="0">
-                <a:solidFill>
-                  <a:srgbClr val="000066"/>
-                </a:solidFill>
-                <a:latin typeface="微軟正黑體" pitchFamily="34" charset="-120"/>
-                <a:ea typeface="微軟正黑體" pitchFamily="34" charset="-120"/>
-              </a:rPr>
-              <a:t>我真相信  我真相信</a:t>
-            </a:r>
-            <a:endParaRPr lang="en-US" altLang="zh-TW" sz="5400" b="1" dirty="0" smtClean="0">
+        </p:txBody>
+      </p:sp>
+      <p:sp>
+        <p:nvSpPr>
+          <p:cNvPr id="3" name="TextBox 2"/>
+          <p:cNvSpPr txBox="1"/>
+          <p:nvPr/>
+        </p:nvSpPr>
+        <p:spPr>
+          <a:xfrm>
+            <a:off x="0" y="5061183"/>
+            <a:ext cx="12192000" cy="830997"/>
+          </a:xfrm>
+          <a:prstGeom prst="rect">
+            <a:avLst/>
+          </a:prstGeom>
+          <a:noFill/>
+        </p:spPr>
+        <p:txBody>
+          <a:bodyPr wrap="square" rtlCol="0">
+            <a:spAutoFit/>
+          </a:bodyPr>
+          <a:lstStyle/>
+          <a:p>
+            <a:pPr algn="ctr"/>
+            <a:r>
+              <a:rPr lang="en-US" sz="4800" b="1" dirty="0">
+                <a:solidFill>
+                  <a:srgbClr val="660033"/>
+                </a:solidFill>
+                <a:effectLst/>
+              </a:rPr>
+              <a:t>( 1 )</a:t>
+            </a:r>
+            <a:endParaRPr lang="vi-VN" sz="4800" b="1" dirty="0">
               <a:solidFill>
-                <a:srgbClr val="000066"/>
+                <a:srgbClr val="660033"/>
               </a:solidFill>
-              <a:latin typeface="微軟正黑體" pitchFamily="34" charset="-120"/>
-              <a:ea typeface="微軟正黑體" pitchFamily="34" charset="-120"/>
+              <a:effectLst/>
             </a:endParaRPr>
           </a:p>
-          <a:p>
-            <a:pPr algn="ctr">
-              <a:buNone/>
-            </a:pPr>
-            <a:r>
-              <a:rPr lang="zh-TW" altLang="en-US" sz="5400" b="1" dirty="0" smtClean="0">
-                <a:solidFill>
-                  <a:srgbClr val="000066"/>
-                </a:solidFill>
-                <a:latin typeface="微軟正黑體" pitchFamily="34" charset="-120"/>
-                <a:ea typeface="微軟正黑體" pitchFamily="34" charset="-120"/>
-              </a:rPr>
-              <a:t>不論晝夜皆蒙主帶領</a:t>
-            </a:r>
-          </a:p>
-          <a:p>
-            <a:pPr algn="ctr">
-              <a:buNone/>
-            </a:pPr>
-            <a:r>
-              <a:rPr lang="zh-TW" altLang="en-US" sz="5400" b="1" dirty="0" smtClean="0">
-                <a:solidFill>
-                  <a:srgbClr val="000066"/>
-                </a:solidFill>
-                <a:latin typeface="微軟正黑體" pitchFamily="34" charset="-120"/>
-                <a:ea typeface="微軟正黑體" pitchFamily="34" charset="-120"/>
-              </a:rPr>
-              <a:t>永享活水不盡</a:t>
-            </a:r>
-            <a:endParaRPr lang="zh-TW" altLang="en-US" sz="5400" b="1" dirty="0">
-              <a:solidFill>
-                <a:srgbClr val="000066"/>
-              </a:solidFill>
-              <a:latin typeface="微軟正黑體" pitchFamily="34" charset="-120"/>
-              <a:ea typeface="微軟正黑體" pitchFamily="34" charset="-120"/>
-            </a:endParaRPr>
-          </a:p>
         </p:txBody>
       </p:sp>
     </p:spTree>
+    <p:extLst>
+      <p:ext uri="{BB962C8B-B14F-4D97-AF65-F5344CB8AC3E}">
+        <p14:creationId xmlns:p14="http://schemas.microsoft.com/office/powerpoint/2010/main" val="4217754021"/>
+      </p:ext>
+    </p:extLst>
   </p:cSld>
   <p:clrMapOvr>
     <a:masterClrMapping/>
@@ -3473,151 +3894,99 @@
       </p:grpSpPr>
       <p:sp>
         <p:nvSpPr>
-          <p:cNvPr id="4" name="標題 3"/>
-          <p:cNvSpPr>
-            <a:spLocks noGrp="1"/>
-          </p:cNvSpPr>
-          <p:nvPr>
-            <p:ph type="title"/>
-          </p:nvPr>
-        </p:nvSpPr>
-        <p:spPr/>
-        <p:txBody>
-          <a:bodyPr>
+          <p:cNvPr id="5" name="內容版面配置區 4"/>
+          <p:cNvSpPr>
+            <a:spLocks noGrp="1"/>
+          </p:cNvSpPr>
+          <p:nvPr>
+            <p:ph idx="1"/>
+          </p:nvPr>
+        </p:nvSpPr>
+        <p:spPr>
+          <a:xfrm>
+            <a:off x="0" y="2084851"/>
+            <a:ext cx="12192000" cy="2404863"/>
+          </a:xfrm>
+        </p:spPr>
+        <p:txBody>
+          <a:bodyPr anchor="ctr">
             <a:normAutofit/>
           </a:bodyPr>
           <a:lstStyle/>
           <a:p>
-            <a:r>
-              <a:rPr lang="zh-TW" altLang="en-US" b="1" dirty="0">
-                <a:solidFill>
-                  <a:srgbClr val="000066"/>
+            <a:pPr algn="ctr">
+              <a:buNone/>
+            </a:pPr>
+            <a:r>
+              <a:rPr lang="zh-TW" altLang="en-US" sz="6400" b="1" dirty="0">
+                <a:solidFill>
+                  <a:srgbClr val="660033"/>
                 </a:solidFill>
                 <a:latin typeface="微軟正黑體" pitchFamily="34" charset="-120"/>
                 <a:ea typeface="微軟正黑體" pitchFamily="34" charset="-120"/>
               </a:rPr>
-              <a:t>主的軛</a:t>
-            </a:r>
-            <a:r>
-              <a:rPr lang="zh-TW" altLang="en-US" b="1" dirty="0" smtClean="0">
-                <a:solidFill>
-                  <a:srgbClr val="000066"/>
+              <a:t>祂</a:t>
+            </a:r>
+            <a:r>
+              <a:rPr lang="zh-TW" altLang="en-US" sz="6400" b="1" dirty="0">
+                <a:solidFill>
+                  <a:srgbClr val="660033"/>
                 </a:solidFill>
                 <a:latin typeface="微軟正黑體" pitchFamily="34" charset="-120"/>
                 <a:ea typeface="微軟正黑體" pitchFamily="34" charset="-120"/>
               </a:rPr>
-              <a:t>容易</a:t>
-            </a:r>
-            <a:endParaRPr lang="zh-TW" altLang="en-US" b="1" dirty="0">
+              <a:t>帶領我到可安歇水邊</a:t>
+            </a:r>
+          </a:p>
+        </p:txBody>
+      </p:sp>
+      <p:sp>
+        <p:nvSpPr>
+          <p:cNvPr id="3" name="TextBox 2"/>
+          <p:cNvSpPr txBox="1"/>
+          <p:nvPr/>
+        </p:nvSpPr>
+        <p:spPr>
+          <a:xfrm>
+            <a:off x="0" y="5061183"/>
+            <a:ext cx="12192000" cy="830997"/>
+          </a:xfrm>
+          <a:prstGeom prst="rect">
+            <a:avLst/>
+          </a:prstGeom>
+          <a:noFill/>
+        </p:spPr>
+        <p:txBody>
+          <a:bodyPr wrap="square" rtlCol="0">
+            <a:spAutoFit/>
+          </a:bodyPr>
+          <a:lstStyle/>
+          <a:p>
+            <a:pPr algn="ctr"/>
+            <a:r>
+              <a:rPr lang="en-US" sz="4800" b="1" dirty="0">
+                <a:solidFill>
+                  <a:srgbClr val="660033"/>
+                </a:solidFill>
+                <a:effectLst/>
+              </a:rPr>
+              <a:t>( 1 )</a:t>
+            </a:r>
+            <a:endParaRPr lang="vi-VN" sz="4800" b="1" dirty="0">
               <a:solidFill>
-                <a:srgbClr val="000066"/>
+                <a:srgbClr val="660033"/>
               </a:solidFill>
-              <a:latin typeface="微軟正黑體" pitchFamily="34" charset="-120"/>
-              <a:ea typeface="微軟正黑體" pitchFamily="34" charset="-120"/>
+              <a:effectLst/>
             </a:endParaRPr>
           </a:p>
         </p:txBody>
       </p:sp>
-      <p:sp>
-        <p:nvSpPr>
-          <p:cNvPr id="5" name="內容版面配置區 4"/>
-          <p:cNvSpPr>
-            <a:spLocks noGrp="1"/>
-          </p:cNvSpPr>
-          <p:nvPr>
-            <p:ph idx="1"/>
-          </p:nvPr>
-        </p:nvSpPr>
-        <p:spPr/>
-        <p:txBody>
-          <a:bodyPr>
-            <a:normAutofit/>
-          </a:bodyPr>
-          <a:lstStyle/>
-          <a:p>
-            <a:pPr algn="ctr">
-              <a:buNone/>
-            </a:pPr>
-            <a:r>
-              <a:rPr lang="zh-TW" altLang="en-US" sz="5400" b="1" dirty="0" smtClean="0">
-                <a:solidFill>
-                  <a:srgbClr val="000066"/>
-                </a:solidFill>
-                <a:latin typeface="微軟正黑體" pitchFamily="34" charset="-120"/>
-                <a:ea typeface="微軟正黑體" pitchFamily="34" charset="-120"/>
-              </a:rPr>
-              <a:t>我懇切求主</a:t>
-            </a:r>
-            <a:endParaRPr lang="en-US" altLang="zh-TW" sz="5400" b="1" dirty="0" smtClean="0">
-              <a:solidFill>
-                <a:srgbClr val="000066"/>
-              </a:solidFill>
-              <a:latin typeface="微軟正黑體" pitchFamily="34" charset="-120"/>
-              <a:ea typeface="微軟正黑體" pitchFamily="34" charset="-120"/>
-            </a:endParaRPr>
-          </a:p>
-          <a:p>
-            <a:pPr algn="ctr">
-              <a:buNone/>
-            </a:pPr>
-            <a:r>
-              <a:rPr lang="zh-TW" altLang="en-US" sz="5400" b="1" dirty="0" smtClean="0">
-                <a:solidFill>
-                  <a:srgbClr val="000066"/>
-                </a:solidFill>
-                <a:latin typeface="微軟正黑體" pitchFamily="34" charset="-120"/>
-                <a:ea typeface="微軟正黑體" pitchFamily="34" charset="-120"/>
-              </a:rPr>
-              <a:t>賜給我力量</a:t>
-            </a:r>
-            <a:endParaRPr lang="en-US" altLang="zh-TW" sz="5400" b="1" dirty="0" smtClean="0">
-              <a:solidFill>
-                <a:srgbClr val="000066"/>
-              </a:solidFill>
-              <a:latin typeface="微軟正黑體" pitchFamily="34" charset="-120"/>
-              <a:ea typeface="微軟正黑體" pitchFamily="34" charset="-120"/>
-            </a:endParaRPr>
-          </a:p>
-          <a:p>
-            <a:pPr algn="ctr">
-              <a:buNone/>
-            </a:pPr>
-            <a:r>
-              <a:rPr lang="zh-TW" altLang="en-US" sz="5400" b="1" dirty="0" smtClean="0">
-                <a:solidFill>
-                  <a:srgbClr val="000066"/>
-                </a:solidFill>
-                <a:latin typeface="微軟正黑體" pitchFamily="34" charset="-120"/>
-                <a:ea typeface="微軟正黑體" pitchFamily="34" charset="-120"/>
-              </a:rPr>
-              <a:t>使我的靈魂復甦 為主自己</a:t>
-            </a:r>
-            <a:endParaRPr lang="en-US" altLang="zh-TW" sz="5400" b="1" dirty="0" smtClean="0">
-              <a:solidFill>
-                <a:srgbClr val="000066"/>
-              </a:solidFill>
-              <a:latin typeface="微軟正黑體" pitchFamily="34" charset="-120"/>
-              <a:ea typeface="微軟正黑體" pitchFamily="34" charset="-120"/>
-            </a:endParaRPr>
-          </a:p>
-          <a:p>
-            <a:pPr algn="ctr">
-              <a:buNone/>
-            </a:pPr>
-            <a:r>
-              <a:rPr lang="zh-TW" altLang="en-US" sz="5400" b="1" dirty="0" smtClean="0">
-                <a:solidFill>
-                  <a:srgbClr val="000066"/>
-                </a:solidFill>
-                <a:latin typeface="微軟正黑體" pitchFamily="34" charset="-120"/>
-                <a:ea typeface="微軟正黑體" pitchFamily="34" charset="-120"/>
-              </a:rPr>
-              <a:t>寶貴的名引導我走義路</a:t>
-            </a:r>
-          </a:p>
-        </p:txBody>
-      </p:sp>
     </p:spTree>
+    <p:extLst>
+      <p:ext uri="{BB962C8B-B14F-4D97-AF65-F5344CB8AC3E}">
+        <p14:creationId xmlns:p14="http://schemas.microsoft.com/office/powerpoint/2010/main" val="2373976511"/>
+      </p:ext>
+    </p:extLst>
   </p:cSld>
   <p:clrMapOvr>
     <a:masterClrMapping/>
@@ -3644,151 +4013,77 @@
       </p:grpSpPr>
       <p:sp>
         <p:nvSpPr>
-          <p:cNvPr id="4" name="標題 3"/>
-          <p:cNvSpPr>
-            <a:spLocks noGrp="1"/>
-          </p:cNvSpPr>
-          <p:nvPr>
-            <p:ph type="title"/>
-          </p:nvPr>
-        </p:nvSpPr>
-        <p:spPr/>
-        <p:txBody>
-          <a:bodyPr>
+          <p:cNvPr id="5" name="內容版面配置區 4"/>
+          <p:cNvSpPr>
+            <a:spLocks noGrp="1"/>
+          </p:cNvSpPr>
+          <p:nvPr>
+            <p:ph idx="1"/>
+          </p:nvPr>
+        </p:nvSpPr>
+        <p:spPr>
+          <a:xfrm>
+            <a:off x="0" y="2084851"/>
+            <a:ext cx="12192000" cy="2404863"/>
+          </a:xfrm>
+        </p:spPr>
+        <p:txBody>
+          <a:bodyPr anchor="ctr">
             <a:normAutofit/>
           </a:bodyPr>
           <a:lstStyle/>
           <a:p>
-            <a:r>
-              <a:rPr lang="zh-TW" altLang="en-US" b="1" dirty="0">
-                <a:solidFill>
-                  <a:srgbClr val="000066"/>
+            <a:pPr algn="ctr">
+              <a:buNone/>
+            </a:pPr>
+            <a:r>
+              <a:rPr lang="zh-TW" altLang="en-US" sz="6400" b="1" dirty="0">
+                <a:solidFill>
+                  <a:srgbClr val="660033"/>
                 </a:solidFill>
                 <a:latin typeface="微軟正黑體" pitchFamily="34" charset="-120"/>
                 <a:ea typeface="微軟正黑體" pitchFamily="34" charset="-120"/>
               </a:rPr>
-              <a:t>主的軛</a:t>
-            </a:r>
-            <a:r>
-              <a:rPr lang="zh-TW" altLang="en-US" b="1" dirty="0" smtClean="0">
-                <a:solidFill>
-                  <a:srgbClr val="000066"/>
-                </a:solidFill>
-                <a:latin typeface="微軟正黑體" pitchFamily="34" charset="-120"/>
-                <a:ea typeface="微軟正黑體" pitchFamily="34" charset="-120"/>
-              </a:rPr>
-              <a:t>容易</a:t>
-            </a:r>
-            <a:endParaRPr lang="zh-TW" altLang="en-US" b="1" dirty="0">
+              <a:t>主軛容易負  主擔子輕省</a:t>
+            </a:r>
+            <a:endParaRPr lang="en-US" altLang="zh-TW" sz="6400" b="1" dirty="0">
               <a:solidFill>
-                <a:srgbClr val="000066"/>
+                <a:srgbClr val="660033"/>
               </a:solidFill>
               <a:latin typeface="微軟正黑體" pitchFamily="34" charset="-120"/>
               <a:ea typeface="微軟正黑體" pitchFamily="34" charset="-120"/>
             </a:endParaRPr>
           </a:p>
-        </p:txBody>
-      </p:sp>
-      <p:sp>
-        <p:nvSpPr>
-          <p:cNvPr id="5" name="內容版面配置區 4"/>
-          <p:cNvSpPr>
-            <a:spLocks noGrp="1"/>
-          </p:cNvSpPr>
-          <p:nvPr>
-            <p:ph idx="1"/>
-          </p:nvPr>
-        </p:nvSpPr>
-        <p:spPr/>
-        <p:txBody>
-          <a:bodyPr>
-            <a:normAutofit/>
-          </a:bodyPr>
-          <a:lstStyle/>
           <a:p>
             <a:pPr algn="ctr">
               <a:buNone/>
             </a:pPr>
             <a:r>
-              <a:rPr lang="zh-TW" altLang="en-US" sz="5400" b="1" dirty="0" smtClean="0">
-                <a:solidFill>
-                  <a:srgbClr val="000066"/>
+              <a:rPr lang="zh-TW" altLang="en-US" sz="6400" b="1" dirty="0">
+                <a:solidFill>
+                  <a:srgbClr val="660033"/>
                 </a:solidFill>
                 <a:latin typeface="微軟正黑體" pitchFamily="34" charset="-120"/>
                 <a:ea typeface="微軟正黑體" pitchFamily="34" charset="-120"/>
               </a:rPr>
-              <a:t>主軛容易負  主擔子輕省</a:t>
-            </a:r>
-            <a:endParaRPr lang="en-US" altLang="zh-TW" sz="5400" b="1" dirty="0" smtClean="0">
+              <a:t>我真相信  我真相信</a:t>
+            </a:r>
+            <a:endParaRPr lang="en-US" altLang="zh-TW" sz="6400" b="1" dirty="0">
               <a:solidFill>
-                <a:srgbClr val="000066"/>
+                <a:srgbClr val="660033"/>
               </a:solidFill>
               <a:latin typeface="微軟正黑體" pitchFamily="34" charset="-120"/>
               <a:ea typeface="微軟正黑體" pitchFamily="34" charset="-120"/>
             </a:endParaRPr>
           </a:p>
-          <a:p>
-            <a:pPr algn="ctr">
-              <a:buNone/>
-            </a:pPr>
-            <a:r>
-              <a:rPr lang="zh-TW" altLang="en-US" sz="5400" b="1" dirty="0" smtClean="0">
-                <a:solidFill>
-                  <a:srgbClr val="000066"/>
-                </a:solidFill>
-                <a:latin typeface="微軟正黑體" pitchFamily="34" charset="-120"/>
-                <a:ea typeface="微軟正黑體" pitchFamily="34" charset="-120"/>
-              </a:rPr>
-              <a:t>我真相信  我真相信</a:t>
-            </a:r>
-            <a:endParaRPr lang="en-US" altLang="zh-TW" sz="5400" b="1" dirty="0" smtClean="0">
-              <a:solidFill>
-                <a:srgbClr val="000066"/>
-              </a:solidFill>
-              <a:latin typeface="微軟正黑體" pitchFamily="34" charset="-120"/>
-              <a:ea typeface="微軟正黑體" pitchFamily="34" charset="-120"/>
-            </a:endParaRPr>
-          </a:p>
-          <a:p>
-            <a:pPr algn="ctr">
-              <a:buNone/>
-            </a:pPr>
-            <a:r>
-              <a:rPr lang="zh-TW" altLang="en-US" sz="5400" b="1" dirty="0" smtClean="0">
-                <a:solidFill>
-                  <a:srgbClr val="000066"/>
-                </a:solidFill>
-                <a:latin typeface="微軟正黑體" pitchFamily="34" charset="-120"/>
-                <a:ea typeface="微軟正黑體" pitchFamily="34" charset="-120"/>
-              </a:rPr>
-              <a:t>不論晝夜皆蒙主帶領</a:t>
-            </a:r>
-          </a:p>
-          <a:p>
-            <a:pPr algn="ctr">
-              <a:buNone/>
-            </a:pPr>
-            <a:r>
-              <a:rPr lang="zh-TW" altLang="en-US" sz="5400" b="1" dirty="0" smtClean="0">
-                <a:solidFill>
-                  <a:srgbClr val="000066"/>
-                </a:solidFill>
-                <a:latin typeface="微軟正黑體" pitchFamily="34" charset="-120"/>
-                <a:ea typeface="微軟正黑體" pitchFamily="34" charset="-120"/>
-              </a:rPr>
-              <a:t>永享活水不盡</a:t>
-            </a:r>
-            <a:endParaRPr lang="zh-TW" altLang="en-US" sz="5400" b="1" dirty="0">
-              <a:solidFill>
-                <a:srgbClr val="000066"/>
-              </a:solidFill>
-              <a:latin typeface="微軟正黑體" pitchFamily="34" charset="-120"/>
-              <a:ea typeface="微軟正黑體" pitchFamily="34" charset="-120"/>
-            </a:endParaRPr>
-          </a:p>
         </p:txBody>
       </p:sp>
     </p:spTree>
+    <p:extLst>
+      <p:ext uri="{BB962C8B-B14F-4D97-AF65-F5344CB8AC3E}">
+        <p14:creationId xmlns:p14="http://schemas.microsoft.com/office/powerpoint/2010/main" val="2155379925"/>
+      </p:ext>
+    </p:extLst>
   </p:cSld>
   <p:clrMapOvr>
     <a:masterClrMapping/>
@@ -3815,151 +4110,63 @@
       </p:grpSpPr>
       <p:sp>
         <p:nvSpPr>
-          <p:cNvPr id="4" name="標題 3"/>
-          <p:cNvSpPr>
-            <a:spLocks noGrp="1"/>
-          </p:cNvSpPr>
-          <p:nvPr>
-            <p:ph type="title"/>
-          </p:nvPr>
-        </p:nvSpPr>
-        <p:spPr/>
-        <p:txBody>
-          <a:bodyPr>
+          <p:cNvPr id="5" name="內容版面配置區 4"/>
+          <p:cNvSpPr>
+            <a:spLocks noGrp="1"/>
+          </p:cNvSpPr>
+          <p:nvPr>
+            <p:ph idx="1"/>
+          </p:nvPr>
+        </p:nvSpPr>
+        <p:spPr>
+          <a:xfrm>
+            <a:off x="0" y="2084851"/>
+            <a:ext cx="12192000" cy="2404863"/>
+          </a:xfrm>
+        </p:spPr>
+        <p:txBody>
+          <a:bodyPr anchor="ctr">
             <a:normAutofit/>
           </a:bodyPr>
           <a:lstStyle/>
           <a:p>
-            <a:r>
-              <a:rPr lang="zh-TW" altLang="en-US" b="1" dirty="0">
-                <a:solidFill>
-                  <a:srgbClr val="000066"/>
+            <a:pPr algn="ctr">
+              <a:buNone/>
+            </a:pPr>
+            <a:r>
+              <a:rPr lang="zh-TW" altLang="en-US" sz="6400" b="1" dirty="0">
+                <a:solidFill>
+                  <a:srgbClr val="660033"/>
                 </a:solidFill>
                 <a:latin typeface="微軟正黑體" pitchFamily="34" charset="-120"/>
                 <a:ea typeface="微軟正黑體" pitchFamily="34" charset="-120"/>
               </a:rPr>
-              <a:t>主的軛</a:t>
-            </a:r>
-            <a:r>
-              <a:rPr lang="zh-TW" altLang="en-US" b="1" dirty="0" smtClean="0">
-                <a:solidFill>
-                  <a:srgbClr val="000066"/>
+              <a:t>不論晝夜皆蒙主帶領</a:t>
+            </a:r>
+          </a:p>
+          <a:p>
+            <a:pPr algn="ctr">
+              <a:buNone/>
+            </a:pPr>
+            <a:r>
+              <a:rPr lang="zh-TW" altLang="en-US" sz="6400" b="1" dirty="0">
+                <a:solidFill>
+                  <a:srgbClr val="660033"/>
                 </a:solidFill>
                 <a:latin typeface="微軟正黑體" pitchFamily="34" charset="-120"/>
                 <a:ea typeface="微軟正黑體" pitchFamily="34" charset="-120"/>
               </a:rPr>
-              <a:t>容易</a:t>
-            </a:r>
-            <a:endParaRPr lang="zh-TW" altLang="en-US" b="1" dirty="0">
-              <a:solidFill>
-                <a:srgbClr val="000066"/>
-              </a:solidFill>
-              <a:latin typeface="微軟正黑體" pitchFamily="34" charset="-120"/>
-              <a:ea typeface="微軟正黑體" pitchFamily="34" charset="-120"/>
-            </a:endParaRPr>
-          </a:p>
-        </p:txBody>
-      </p:sp>
-      <p:sp>
-        <p:nvSpPr>
-          <p:cNvPr id="5" name="內容版面配置區 4"/>
-          <p:cNvSpPr>
-            <a:spLocks noGrp="1"/>
-          </p:cNvSpPr>
-          <p:nvPr>
-            <p:ph idx="1"/>
-          </p:nvPr>
-        </p:nvSpPr>
-        <p:spPr/>
-        <p:txBody>
-          <a:bodyPr>
-            <a:normAutofit/>
-          </a:bodyPr>
-          <a:lstStyle/>
-          <a:p>
-            <a:pPr algn="ctr">
-              <a:buNone/>
-            </a:pPr>
-            <a:r>
-              <a:rPr lang="zh-TW" altLang="en-US" sz="5400" b="1" dirty="0" smtClean="0">
-                <a:solidFill>
-                  <a:srgbClr val="000066"/>
-                </a:solidFill>
-                <a:latin typeface="微軟正黑體" pitchFamily="34" charset="-120"/>
-                <a:ea typeface="微軟正黑體" pitchFamily="34" charset="-120"/>
-              </a:rPr>
-              <a:t>我雖然行過死蔭的幽谷</a:t>
-            </a:r>
-            <a:endParaRPr lang="en-US" altLang="zh-TW" sz="5400" b="1" dirty="0" smtClean="0">
-              <a:solidFill>
-                <a:srgbClr val="000066"/>
-              </a:solidFill>
-              <a:latin typeface="微軟正黑體" pitchFamily="34" charset="-120"/>
-              <a:ea typeface="微軟正黑體" pitchFamily="34" charset="-120"/>
-            </a:endParaRPr>
-          </a:p>
-          <a:p>
-            <a:pPr algn="ctr">
-              <a:buNone/>
-            </a:pPr>
-            <a:r>
-              <a:rPr lang="zh-TW" altLang="en-US" sz="5400" b="1" dirty="0" smtClean="0">
-                <a:solidFill>
-                  <a:srgbClr val="000066"/>
-                </a:solidFill>
-                <a:latin typeface="微軟正黑體" pitchFamily="34" charset="-120"/>
-                <a:ea typeface="微軟正黑體" pitchFamily="34" charset="-120"/>
-              </a:rPr>
-              <a:t>靠主我不怕遭害</a:t>
-            </a:r>
-            <a:endParaRPr lang="en-US" altLang="zh-TW" sz="5400" b="1" dirty="0" smtClean="0">
-              <a:solidFill>
-                <a:srgbClr val="000066"/>
-              </a:solidFill>
-              <a:latin typeface="微軟正黑體" pitchFamily="34" charset="-120"/>
-              <a:ea typeface="微軟正黑體" pitchFamily="34" charset="-120"/>
-            </a:endParaRPr>
-          </a:p>
-          <a:p>
-            <a:pPr algn="ctr">
-              <a:buNone/>
-            </a:pPr>
-            <a:r>
-              <a:rPr lang="zh-TW" altLang="en-US" sz="5400" b="1" dirty="0" smtClean="0">
-                <a:solidFill>
-                  <a:srgbClr val="000066"/>
-                </a:solidFill>
-                <a:latin typeface="微軟正黑體" pitchFamily="34" charset="-120"/>
-                <a:ea typeface="微軟正黑體" pitchFamily="34" charset="-120"/>
-              </a:rPr>
-              <a:t>主杖主竿都安慰我</a:t>
-            </a:r>
-            <a:endParaRPr lang="en-US" altLang="zh-TW" sz="5400" b="1" dirty="0" smtClean="0">
-              <a:solidFill>
-                <a:srgbClr val="000066"/>
-              </a:solidFill>
-              <a:latin typeface="微軟正黑體" pitchFamily="34" charset="-120"/>
-              <a:ea typeface="微軟正黑體" pitchFamily="34" charset="-120"/>
-            </a:endParaRPr>
-          </a:p>
-          <a:p>
-            <a:pPr algn="ctr">
-              <a:buNone/>
-            </a:pPr>
-            <a:r>
-              <a:rPr lang="zh-TW" altLang="en-US" sz="5400" b="1" dirty="0" smtClean="0">
-                <a:solidFill>
-                  <a:srgbClr val="000066"/>
-                </a:solidFill>
-                <a:latin typeface="微軟正黑體" pitchFamily="34" charset="-120"/>
-                <a:ea typeface="微軟正黑體" pitchFamily="34" charset="-120"/>
-              </a:rPr>
-              <a:t>因主與我同在</a:t>
+              <a:t>永享活水不盡</a:t>
             </a:r>
           </a:p>
         </p:txBody>
       </p:sp>
     </p:spTree>
+    <p:extLst>
+      <p:ext uri="{BB962C8B-B14F-4D97-AF65-F5344CB8AC3E}">
+        <p14:creationId xmlns:p14="http://schemas.microsoft.com/office/powerpoint/2010/main" val="2994286276"/>
+      </p:ext>
+    </p:extLst>
   </p:cSld>
   <p:clrMapOvr>
     <a:masterClrMapping/>
@@ -3986,106 +4193,385 @@
       </p:grpSpPr>
       <p:sp>
         <p:nvSpPr>
-          <p:cNvPr id="4" name="標題 3"/>
-          <p:cNvSpPr>
-            <a:spLocks noGrp="1"/>
-          </p:cNvSpPr>
-          <p:nvPr>
-            <p:ph type="title"/>
-          </p:nvPr>
-        </p:nvSpPr>
-        <p:spPr/>
-        <p:txBody>
-          <a:bodyPr>
+          <p:cNvPr id="5" name="內容版面配置區 4"/>
+          <p:cNvSpPr>
+            <a:spLocks noGrp="1"/>
+          </p:cNvSpPr>
+          <p:nvPr>
+            <p:ph idx="1"/>
+          </p:nvPr>
+        </p:nvSpPr>
+        <p:spPr>
+          <a:xfrm>
+            <a:off x="0" y="2084851"/>
+            <a:ext cx="12192000" cy="2404863"/>
+          </a:xfrm>
+        </p:spPr>
+        <p:txBody>
+          <a:bodyPr anchor="ctr">
             <a:normAutofit/>
           </a:bodyPr>
           <a:lstStyle/>
           <a:p>
-            <a:r>
-              <a:rPr lang="zh-TW" altLang="en-US" b="1" dirty="0">
-                <a:solidFill>
-                  <a:srgbClr val="000066"/>
+            <a:pPr algn="ctr">
+              <a:buNone/>
+            </a:pPr>
+            <a:r>
+              <a:rPr lang="zh-TW" altLang="en-US" sz="6400" b="1" dirty="0">
+                <a:solidFill>
+                  <a:srgbClr val="660033"/>
                 </a:solidFill>
                 <a:latin typeface="微軟正黑體" pitchFamily="34" charset="-120"/>
                 <a:ea typeface="微軟正黑體" pitchFamily="34" charset="-120"/>
               </a:rPr>
-              <a:t>主的軛</a:t>
-            </a:r>
-            <a:r>
-              <a:rPr lang="zh-TW" altLang="en-US" b="1" dirty="0" smtClean="0">
-                <a:solidFill>
-                  <a:srgbClr val="000066"/>
+              <a:t>我懇切求</a:t>
+            </a:r>
+            <a:r>
+              <a:rPr lang="zh-TW" altLang="en-US" sz="6400" b="1" dirty="0">
+                <a:solidFill>
+                  <a:srgbClr val="660033"/>
                 </a:solidFill>
                 <a:latin typeface="微軟正黑體" pitchFamily="34" charset="-120"/>
                 <a:ea typeface="微軟正黑體" pitchFamily="34" charset="-120"/>
               </a:rPr>
-              <a:t>容易</a:t>
-            </a:r>
-            <a:endParaRPr lang="zh-TW" altLang="en-US" b="1" dirty="0">
+              <a:t>主</a:t>
+            </a:r>
+            <a:r>
+              <a:rPr lang="en-US" altLang="zh-TW" sz="6400" b="1" dirty="0">
+                <a:solidFill>
+                  <a:srgbClr val="660033"/>
+                </a:solidFill>
+                <a:latin typeface="微軟正黑體" pitchFamily="34" charset="-120"/>
+                <a:ea typeface="微軟正黑體" pitchFamily="34" charset="-120"/>
+              </a:rPr>
+              <a:t>   </a:t>
+            </a:r>
+            <a:r>
+              <a:rPr lang="zh-TW" altLang="en-US" sz="6400" b="1" dirty="0">
+                <a:solidFill>
+                  <a:srgbClr val="660033"/>
+                </a:solidFill>
+                <a:latin typeface="微軟正黑體" pitchFamily="34" charset="-120"/>
+                <a:ea typeface="微軟正黑體" pitchFamily="34" charset="-120"/>
+              </a:rPr>
+              <a:t>賜</a:t>
+            </a:r>
+            <a:r>
+              <a:rPr lang="zh-TW" altLang="en-US" sz="6400" b="1" dirty="0">
+                <a:solidFill>
+                  <a:srgbClr val="660033"/>
+                </a:solidFill>
+                <a:latin typeface="微軟正黑體" pitchFamily="34" charset="-120"/>
+                <a:ea typeface="微軟正黑體" pitchFamily="34" charset="-120"/>
+              </a:rPr>
+              <a:t>給我力量</a:t>
+            </a:r>
+            <a:endParaRPr lang="en-US" altLang="zh-TW" sz="6400" b="1" dirty="0">
               <a:solidFill>
-                <a:srgbClr val="000066"/>
+                <a:srgbClr val="660033"/>
               </a:solidFill>
               <a:latin typeface="微軟正黑體" pitchFamily="34" charset="-120"/>
               <a:ea typeface="微軟正黑體" pitchFamily="34" charset="-120"/>
             </a:endParaRPr>
           </a:p>
-        </p:txBody>
-      </p:sp>
-      <p:sp>
-        <p:nvSpPr>
-          <p:cNvPr id="5" name="內容版面配置區 4"/>
-          <p:cNvSpPr>
-            <a:spLocks noGrp="1"/>
-          </p:cNvSpPr>
-          <p:nvPr>
-            <p:ph idx="1"/>
-          </p:nvPr>
-        </p:nvSpPr>
-        <p:spPr/>
-        <p:txBody>
-          <a:bodyPr>
-            <a:normAutofit/>
-          </a:bodyPr>
-          <a:lstStyle/>
           <a:p>
             <a:pPr algn="ctr">
               <a:buNone/>
             </a:pPr>
             <a:r>
-              <a:rPr lang="zh-TW" altLang="en-US" sz="5400" b="1" dirty="0" smtClean="0">
-                <a:solidFill>
-                  <a:srgbClr val="000066"/>
+              <a:rPr lang="zh-TW" altLang="en-US" sz="6400" b="1" dirty="0">
+                <a:solidFill>
+                  <a:srgbClr val="660033"/>
                 </a:solidFill>
                 <a:latin typeface="微軟正黑體" pitchFamily="34" charset="-120"/>
                 <a:ea typeface="微軟正黑體" pitchFamily="34" charset="-120"/>
               </a:rPr>
-              <a:t>主軛容易負  主擔子輕省</a:t>
-            </a:r>
-            <a:endParaRPr lang="en-US" altLang="zh-TW" sz="5400" b="1" dirty="0" smtClean="0">
+              <a:t>使我的靈魂復甦 </a:t>
+            </a:r>
+            <a:r>
+              <a:rPr lang="zh-TW" altLang="en-US" sz="6400" b="1" dirty="0">
+                <a:solidFill>
+                  <a:srgbClr val="660033"/>
+                </a:solidFill>
+                <a:latin typeface="微軟正黑體" pitchFamily="34" charset="-120"/>
+                <a:ea typeface="微軟正黑體" pitchFamily="34" charset="-120"/>
+              </a:rPr>
+              <a:t> 為</a:t>
+            </a:r>
+            <a:r>
+              <a:rPr lang="zh-TW" altLang="en-US" sz="6400" b="1" dirty="0">
+                <a:solidFill>
+                  <a:srgbClr val="660033"/>
+                </a:solidFill>
+                <a:latin typeface="微軟正黑體" pitchFamily="34" charset="-120"/>
+                <a:ea typeface="微軟正黑體" pitchFamily="34" charset="-120"/>
+              </a:rPr>
+              <a:t>主自己</a:t>
+            </a:r>
+            <a:endParaRPr lang="en-US" altLang="zh-TW" sz="6400" b="1" dirty="0">
               <a:solidFill>
-                <a:srgbClr val="000066"/>
+                <a:srgbClr val="660033"/>
               </a:solidFill>
               <a:latin typeface="微軟正黑體" pitchFamily="34" charset="-120"/>
               <a:ea typeface="微軟正黑體" pitchFamily="34" charset="-120"/>
             </a:endParaRPr>
           </a:p>
+        </p:txBody>
+      </p:sp>
+      <p:sp>
+        <p:nvSpPr>
+          <p:cNvPr id="3" name="TextBox 2"/>
+          <p:cNvSpPr txBox="1"/>
+          <p:nvPr/>
+        </p:nvSpPr>
+        <p:spPr>
+          <a:xfrm>
+            <a:off x="0" y="5061183"/>
+            <a:ext cx="12192000" cy="830997"/>
+          </a:xfrm>
+          <a:prstGeom prst="rect">
+            <a:avLst/>
+          </a:prstGeom>
+          <a:noFill/>
+        </p:spPr>
+        <p:txBody>
+          <a:bodyPr wrap="square" rtlCol="0">
+            <a:spAutoFit/>
+          </a:bodyPr>
+          <a:lstStyle/>
+          <a:p>
+            <a:pPr algn="ctr"/>
+            <a:r>
+              <a:rPr lang="en-US" sz="4800" b="1" dirty="0">
+                <a:solidFill>
+                  <a:srgbClr val="660033"/>
+                </a:solidFill>
+                <a:effectLst/>
+              </a:rPr>
+              <a:t>( </a:t>
+            </a:r>
+            <a:r>
+              <a:rPr lang="en-US" sz="4800" b="1" dirty="0">
+                <a:solidFill>
+                  <a:srgbClr val="660033"/>
+                </a:solidFill>
+                <a:effectLst/>
+              </a:rPr>
+              <a:t>2 </a:t>
+            </a:r>
+            <a:r>
+              <a:rPr lang="en-US" sz="4800" b="1" dirty="0">
+                <a:solidFill>
+                  <a:srgbClr val="660033"/>
+                </a:solidFill>
+                <a:effectLst/>
+              </a:rPr>
+              <a:t>)</a:t>
+            </a:r>
+            <a:endParaRPr lang="vi-VN" sz="4800" b="1" dirty="0">
+              <a:solidFill>
+                <a:srgbClr val="660033"/>
+              </a:solidFill>
+              <a:effectLst/>
+            </a:endParaRPr>
+          </a:p>
+        </p:txBody>
+      </p:sp>
+    </p:spTree>
+    <p:extLst>
+      <p:ext uri="{BB962C8B-B14F-4D97-AF65-F5344CB8AC3E}">
+        <p14:creationId xmlns:p14="http://schemas.microsoft.com/office/powerpoint/2010/main" val="514971328"/>
+      </p:ext>
+    </p:extLst>
+  </p:cSld>
+  <p:clrMapOvr>
+    <a:masterClrMapping/>
+  </p:clrMapOvr>
+</p:sld>
+</file>
+
+<file path=ppt/slides/slide7.xml><?xml version="1.0" encoding="utf-8"?>
+<p:sld xmlns:a="http://schemas.openxmlformats.org/drawingml/2006/main" xmlns:r="http://schemas.openxmlformats.org/officeDocument/2006/relationships" xmlns:p="http://schemas.openxmlformats.org/presentationml/2006/main">
+  <p:cSld>
+    <p:spTree>
+      <p:nvGrpSpPr>
+        <p:cNvPr id="1" name=""/>
+        <p:cNvGrpSpPr/>
+        <p:nvPr/>
+      </p:nvGrpSpPr>
+      <p:grpSpPr>
+        <a:xfrm>
+          <a:off x="0" y="0"/>
+          <a:ext cx="0" cy="0"/>
+          <a:chOff x="0" y="0"/>
+          <a:chExt cx="0" cy="0"/>
+        </a:xfrm>
+      </p:grpSpPr>
+      <p:sp>
+        <p:nvSpPr>
+          <p:cNvPr id="5" name="內容版面配置區 4"/>
+          <p:cNvSpPr>
+            <a:spLocks noGrp="1"/>
+          </p:cNvSpPr>
+          <p:nvPr>
+            <p:ph idx="1"/>
+          </p:nvPr>
+        </p:nvSpPr>
+        <p:spPr>
+          <a:xfrm>
+            <a:off x="0" y="2084851"/>
+            <a:ext cx="12192000" cy="2404863"/>
+          </a:xfrm>
+        </p:spPr>
+        <p:txBody>
+          <a:bodyPr anchor="ctr">
+            <a:normAutofit/>
+          </a:bodyPr>
+          <a:lstStyle/>
           <a:p>
             <a:pPr algn="ctr">
               <a:buNone/>
             </a:pPr>
             <a:r>
-              <a:rPr lang="zh-TW" altLang="en-US" sz="5400" b="1" dirty="0" smtClean="0">
-                <a:solidFill>
-                  <a:srgbClr val="000066"/>
+              <a:rPr lang="zh-TW" altLang="en-US" sz="6400" b="1" dirty="0">
+                <a:solidFill>
+                  <a:srgbClr val="660033"/>
                 </a:solidFill>
                 <a:latin typeface="微軟正黑體" pitchFamily="34" charset="-120"/>
                 <a:ea typeface="微軟正黑體" pitchFamily="34" charset="-120"/>
               </a:rPr>
-              <a:t>我真相信  我真相信</a:t>
-            </a:r>
-            <a:endParaRPr lang="en-US" altLang="zh-TW" sz="5400" b="1" dirty="0" smtClean="0">
+              <a:t>寶貴的名引導我走義路</a:t>
+            </a:r>
+          </a:p>
+        </p:txBody>
+      </p:sp>
+      <p:sp>
+        <p:nvSpPr>
+          <p:cNvPr id="3" name="TextBox 2"/>
+          <p:cNvSpPr txBox="1"/>
+          <p:nvPr/>
+        </p:nvSpPr>
+        <p:spPr>
+          <a:xfrm>
+            <a:off x="0" y="5061183"/>
+            <a:ext cx="12192000" cy="830997"/>
+          </a:xfrm>
+          <a:prstGeom prst="rect">
+            <a:avLst/>
+          </a:prstGeom>
+          <a:noFill/>
+        </p:spPr>
+        <p:txBody>
+          <a:bodyPr wrap="square" rtlCol="0">
+            <a:spAutoFit/>
+          </a:bodyPr>
+          <a:lstStyle/>
+          <a:p>
+            <a:pPr algn="ctr"/>
+            <a:r>
+              <a:rPr lang="en-US" sz="4800" b="1" dirty="0">
+                <a:solidFill>
+                  <a:srgbClr val="660033"/>
+                </a:solidFill>
+                <a:effectLst/>
+              </a:rPr>
+              <a:t>( </a:t>
+            </a:r>
+            <a:r>
+              <a:rPr lang="en-US" sz="4800" b="1" dirty="0">
+                <a:solidFill>
+                  <a:srgbClr val="660033"/>
+                </a:solidFill>
+                <a:effectLst/>
+              </a:rPr>
+              <a:t>2 </a:t>
+            </a:r>
+            <a:r>
+              <a:rPr lang="en-US" sz="4800" b="1" dirty="0">
+                <a:solidFill>
+                  <a:srgbClr val="660033"/>
+                </a:solidFill>
+                <a:effectLst/>
+              </a:rPr>
+              <a:t>)</a:t>
+            </a:r>
+            <a:endParaRPr lang="vi-VN" sz="4800" b="1" dirty="0">
               <a:solidFill>
-                <a:srgbClr val="000066"/>
+                <a:srgbClr val="660033"/>
+              </a:solidFill>
+              <a:effectLst/>
+            </a:endParaRPr>
+          </a:p>
+        </p:txBody>
+      </p:sp>
+    </p:spTree>
+    <p:extLst>
+      <p:ext uri="{BB962C8B-B14F-4D97-AF65-F5344CB8AC3E}">
+        <p14:creationId xmlns:p14="http://schemas.microsoft.com/office/powerpoint/2010/main" val="643560782"/>
+      </p:ext>
+    </p:extLst>
+  </p:cSld>
+  <p:clrMapOvr>
+    <a:masterClrMapping/>
+  </p:clrMapOvr>
+</p:sld>
+</file>
+
+<file path=ppt/slides/slide8.xml><?xml version="1.0" encoding="utf-8"?>
+<p:sld xmlns:a="http://schemas.openxmlformats.org/drawingml/2006/main" xmlns:r="http://schemas.openxmlformats.org/officeDocument/2006/relationships" xmlns:p="http://schemas.openxmlformats.org/presentationml/2006/main">
+  <p:cSld>
+    <p:spTree>
+      <p:nvGrpSpPr>
+        <p:cNvPr id="1" name=""/>
+        <p:cNvGrpSpPr/>
+        <p:nvPr/>
+      </p:nvGrpSpPr>
+      <p:grpSpPr>
+        <a:xfrm>
+          <a:off x="0" y="0"/>
+          <a:ext cx="0" cy="0"/>
+          <a:chOff x="0" y="0"/>
+          <a:chExt cx="0" cy="0"/>
+        </a:xfrm>
+      </p:grpSpPr>
+      <p:sp>
+        <p:nvSpPr>
+          <p:cNvPr id="5" name="內容版面配置區 4"/>
+          <p:cNvSpPr>
+            <a:spLocks noGrp="1"/>
+          </p:cNvSpPr>
+          <p:nvPr>
+            <p:ph idx="1"/>
+          </p:nvPr>
+        </p:nvSpPr>
+        <p:spPr>
+          <a:xfrm>
+            <a:off x="0" y="2084851"/>
+            <a:ext cx="12192000" cy="2404863"/>
+          </a:xfrm>
+        </p:spPr>
+        <p:txBody>
+          <a:bodyPr anchor="ctr">
+            <a:normAutofit/>
+          </a:bodyPr>
+          <a:lstStyle/>
+          <a:p>
+            <a:pPr algn="ctr">
+              <a:buNone/>
+            </a:pPr>
+            <a:r>
+              <a:rPr lang="zh-TW" altLang="en-US" sz="6400" b="1" dirty="0">
+                <a:solidFill>
+                  <a:srgbClr val="660033"/>
+                </a:solidFill>
+                <a:latin typeface="微軟正黑體" pitchFamily="34" charset="-120"/>
+                <a:ea typeface="微軟正黑體" pitchFamily="34" charset="-120"/>
+              </a:rPr>
+              <a:t>主軛容易負  主擔子輕省</a:t>
+            </a:r>
+            <a:endParaRPr lang="en-US" altLang="zh-TW" sz="6400" b="1" dirty="0">
+              <a:solidFill>
+                <a:srgbClr val="660033"/>
               </a:solidFill>
               <a:latin typeface="微軟正黑體" pitchFamily="34" charset="-120"/>
               <a:ea typeface="微軟正黑體" pitchFamily="34" charset="-120"/>
@@ -4096,33 +4582,18 @@
               <a:buNone/>
             </a:pPr>
             <a:r>
-              <a:rPr lang="zh-TW" altLang="en-US" sz="5400" b="1" dirty="0" smtClean="0">
-                <a:solidFill>
-                  <a:srgbClr val="000066"/>
+              <a:rPr lang="zh-TW" altLang="en-US" sz="6400" b="1" dirty="0">
+                <a:solidFill>
+                  <a:srgbClr val="660033"/>
                 </a:solidFill>
                 <a:latin typeface="微軟正黑體" pitchFamily="34" charset="-120"/>
                 <a:ea typeface="微軟正黑體" pitchFamily="34" charset="-120"/>
               </a:rPr>
-              <a:t>不論晝夜皆蒙主帶領</a:t>
-            </a:r>
-          </a:p>
-          <a:p>
-            <a:pPr algn="ctr">
-              <a:buNone/>
-            </a:pPr>
-            <a:r>
-              <a:rPr lang="zh-TW" altLang="en-US" sz="5400" b="1" dirty="0" smtClean="0">
-                <a:solidFill>
-                  <a:srgbClr val="000066"/>
-                </a:solidFill>
-                <a:latin typeface="微軟正黑體" pitchFamily="34" charset="-120"/>
-                <a:ea typeface="微軟正黑體" pitchFamily="34" charset="-120"/>
-              </a:rPr>
-              <a:t>永享活水不盡</a:t>
-            </a:r>
-            <a:endParaRPr lang="zh-TW" altLang="en-US" sz="5400" b="1" dirty="0">
+              <a:t>我真相信  我真相信</a:t>
+            </a:r>
+            <a:endParaRPr lang="en-US" altLang="zh-TW" sz="6400" b="1" dirty="0">
               <a:solidFill>
-                <a:srgbClr val="000066"/>
+                <a:srgbClr val="660033"/>
               </a:solidFill>
               <a:latin typeface="微軟正黑體" pitchFamily="34" charset="-120"/>
               <a:ea typeface="微軟正黑體" pitchFamily="34" charset="-120"/>
@@ -4131,6 +4602,94 @@
         </p:txBody>
       </p:sp>
     </p:spTree>
+    <p:extLst>
+      <p:ext uri="{BB962C8B-B14F-4D97-AF65-F5344CB8AC3E}">
+        <p14:creationId xmlns:p14="http://schemas.microsoft.com/office/powerpoint/2010/main" val="898494868"/>
+      </p:ext>
+    </p:extLst>
+  </p:cSld>
+  <p:clrMapOvr>
+    <a:masterClrMapping/>
+  </p:clrMapOvr>
+</p:sld>
+</file>
+
+<file path=ppt/slides/slide9.xml><?xml version="1.0" encoding="utf-8"?>
+<p:sld xmlns:a="http://schemas.openxmlformats.org/drawingml/2006/main" xmlns:r="http://schemas.openxmlformats.org/officeDocument/2006/relationships" xmlns:p="http://schemas.openxmlformats.org/presentationml/2006/main">
+  <p:cSld>
+    <p:spTree>
+      <p:nvGrpSpPr>
+        <p:cNvPr id="1" name=""/>
+        <p:cNvGrpSpPr/>
+        <p:nvPr/>
+      </p:nvGrpSpPr>
+      <p:grpSpPr>
+        <a:xfrm>
+          <a:off x="0" y="0"/>
+          <a:ext cx="0" cy="0"/>
+          <a:chOff x="0" y="0"/>
+          <a:chExt cx="0" cy="0"/>
+        </a:xfrm>
+      </p:grpSpPr>
+      <p:sp>
+        <p:nvSpPr>
+          <p:cNvPr id="5" name="內容版面配置區 4"/>
+          <p:cNvSpPr>
+            <a:spLocks noGrp="1"/>
+          </p:cNvSpPr>
+          <p:nvPr>
+            <p:ph idx="1"/>
+          </p:nvPr>
+        </p:nvSpPr>
+        <p:spPr>
+          <a:xfrm>
+            <a:off x="0" y="2084851"/>
+            <a:ext cx="12192000" cy="2404863"/>
+          </a:xfrm>
+        </p:spPr>
+        <p:txBody>
+          <a:bodyPr anchor="ctr">
+            <a:normAutofit/>
+          </a:bodyPr>
+          <a:lstStyle/>
+          <a:p>
+            <a:pPr algn="ctr">
+              <a:buNone/>
+            </a:pPr>
+            <a:r>
+              <a:rPr lang="zh-TW" altLang="en-US" sz="6400" b="1" dirty="0">
+                <a:solidFill>
+                  <a:srgbClr val="660033"/>
+                </a:solidFill>
+                <a:latin typeface="微軟正黑體" pitchFamily="34" charset="-120"/>
+                <a:ea typeface="微軟正黑體" pitchFamily="34" charset="-120"/>
+              </a:rPr>
+              <a:t>不論晝夜皆蒙主帶領</a:t>
+            </a:r>
+          </a:p>
+          <a:p>
+            <a:pPr algn="ctr">
+              <a:buNone/>
+            </a:pPr>
+            <a:r>
+              <a:rPr lang="zh-TW" altLang="en-US" sz="6400" b="1" dirty="0">
+                <a:solidFill>
+                  <a:srgbClr val="660033"/>
+                </a:solidFill>
+                <a:latin typeface="微軟正黑體" pitchFamily="34" charset="-120"/>
+                <a:ea typeface="微軟正黑體" pitchFamily="34" charset="-120"/>
+              </a:rPr>
+              <a:t>永享活水不盡</a:t>
+            </a:r>
+          </a:p>
+        </p:txBody>
+      </p:sp>
+    </p:spTree>
+    <p:extLst>
+      <p:ext uri="{BB962C8B-B14F-4D97-AF65-F5344CB8AC3E}">
+        <p14:creationId xmlns:p14="http://schemas.microsoft.com/office/powerpoint/2010/main" val="2977289578"/>
+      </p:ext>
+    </p:extLst>
   </p:cSld>
   <p:clrMapOvr>
     <a:masterClrMapping/>
